--- a/DSSpresentation.pptx
+++ b/DSSpresentation.pptx
@@ -23,8 +23,9 @@
     <p:sldId id="270" r:id="rId17"/>
     <p:sldId id="273" r:id="rId18"/>
     <p:sldId id="274" r:id="rId19"/>
-    <p:sldId id="275" r:id="rId20"/>
-    <p:sldId id="259" r:id="rId21"/>
+    <p:sldId id="277" r:id="rId20"/>
+    <p:sldId id="275" r:id="rId21"/>
+    <p:sldId id="259" r:id="rId22"/>
   </p:sldIdLst>
   <p:sldSz cx="12192000" cy="6858000"/>
   <p:notesSz cx="6858000" cy="9144000"/>
@@ -4162,21 +4163,119 @@
           <a:chExt cx="0" cy="0"/>
         </a:xfrm>
       </p:grpSpPr>
+      <p:sp>
+        <p:nvSpPr>
+          <p:cNvPr id="4" name="Text Placeholder 3">
+            <a:extLst>
+              <a:ext uri="{FF2B5EF4-FFF2-40B4-BE49-F238E27FC236}">
+                <a16:creationId xmlns:a16="http://schemas.microsoft.com/office/drawing/2014/main" id="{AC072B8B-6943-4E2F-9193-8941014DC11C}"/>
+              </a:ext>
+            </a:extLst>
+          </p:cNvPr>
+          <p:cNvSpPr>
+            <a:spLocks noGrp="1"/>
+          </p:cNvSpPr>
+          <p:nvPr>
+            <p:ph type="body" sz="half" idx="2"/>
+          </p:nvPr>
+        </p:nvSpPr>
+        <p:spPr>
+          <a:xfrm>
+            <a:off x="1093994" y="1378857"/>
+            <a:ext cx="2793158" cy="2895599"/>
+          </a:xfrm>
+        </p:spPr>
+        <p:txBody>
+          <a:bodyPr/>
+          <a:lstStyle/>
+          <a:p>
+            <a:r>
+              <a:rPr lang="en-IN" dirty="0"/>
+              <a:t>Layered Architecture implemented with Maven.</a:t>
+            </a:r>
+          </a:p>
+          <a:p>
+            <a:r>
+              <a:rPr lang="en-IN" dirty="0"/>
+              <a:t>3 different repositories</a:t>
+            </a:r>
+          </a:p>
+          <a:p>
+            <a:pPr marL="342900" indent="-342900">
+              <a:buAutoNum type="arabicPeriod"/>
+            </a:pPr>
+            <a:r>
+              <a:rPr lang="en-IN" dirty="0" err="1"/>
+              <a:t>FileRepository</a:t>
+            </a:r>
+            <a:endParaRPr lang="en-IN" dirty="0"/>
+          </a:p>
+          <a:p>
+            <a:pPr marL="342900" indent="-342900">
+              <a:buAutoNum type="arabicPeriod" startAt="2"/>
+            </a:pPr>
+            <a:r>
+              <a:rPr lang="en-IN" dirty="0"/>
+              <a:t>Repository with Collections</a:t>
+            </a:r>
+          </a:p>
+          <a:p>
+            <a:pPr marL="342900" indent="-342900">
+              <a:buAutoNum type="arabicPeriod" startAt="2"/>
+            </a:pPr>
+            <a:r>
+              <a:rPr lang="en-IN" dirty="0"/>
+              <a:t>(Repository connected to </a:t>
+            </a:r>
+            <a:r>
+              <a:rPr lang="en-IN" dirty="0" err="1"/>
+              <a:t>mysql</a:t>
+            </a:r>
+            <a:r>
+              <a:rPr lang="en-IN" dirty="0"/>
+              <a:t> later on)</a:t>
+            </a:r>
+          </a:p>
+        </p:txBody>
+      </p:sp>
+      <p:sp>
+        <p:nvSpPr>
+          <p:cNvPr id="7" name="Content Placeholder 6">
+            <a:extLst>
+              <a:ext uri="{FF2B5EF4-FFF2-40B4-BE49-F238E27FC236}">
+                <a16:creationId xmlns:a16="http://schemas.microsoft.com/office/drawing/2014/main" id="{F0E3AB5D-183F-FC47-82F1-DB9E2FE01B2B}"/>
+              </a:ext>
+            </a:extLst>
+          </p:cNvPr>
+          <p:cNvSpPr>
+            <a:spLocks noGrp="1"/>
+          </p:cNvSpPr>
+          <p:nvPr>
+            <p:ph idx="1"/>
+          </p:nvPr>
+        </p:nvSpPr>
+        <p:spPr/>
+        <p:txBody>
+          <a:bodyPr/>
+          <a:lstStyle/>
+          <a:p>
+            <a:endParaRPr lang="en-US"/>
+          </a:p>
+        </p:txBody>
+      </p:sp>
       <p:pic>
         <p:nvPicPr>
-          <p:cNvPr id="5" name="Content Placeholder 4">
+          <p:cNvPr id="8" name="Picture 7">
             <a:extLst>
               <a:ext uri="{FF2B5EF4-FFF2-40B4-BE49-F238E27FC236}">
-                <a16:creationId xmlns:a16="http://schemas.microsoft.com/office/drawing/2014/main" id="{4E334E98-233B-4E2A-99DD-ECD5E12950F0}"/>
+                <a16:creationId xmlns:a16="http://schemas.microsoft.com/office/drawing/2014/main" id="{1A5CA434-CDAD-8448-A287-5697E7930B96}"/>
               </a:ext>
             </a:extLst>
           </p:cNvPr>
           <p:cNvPicPr>
-            <a:picLocks noGrp="1" noChangeAspect="1"/>
+            <a:picLocks noChangeAspect="1"/>
           </p:cNvPicPr>
-          <p:nvPr>
-            <p:ph idx="1"/>
-          </p:nvPr>
+          <p:nvPr/>
         </p:nvPicPr>
         <p:blipFill>
           <a:blip r:embed="rId2"/>
@@ -4186,89 +4285,14 @@
         </p:blipFill>
         <p:spPr>
           <a:xfrm>
-            <a:off x="5309422" y="208118"/>
-            <a:ext cx="4679310" cy="7476383"/>
+            <a:off x="5043714" y="0"/>
+            <a:ext cx="4309353" cy="6858000"/>
           </a:xfrm>
           <a:prstGeom prst="rect">
             <a:avLst/>
           </a:prstGeom>
         </p:spPr>
       </p:pic>
-      <p:sp>
-        <p:nvSpPr>
-          <p:cNvPr id="4" name="Text Placeholder 3">
-            <a:extLst>
-              <a:ext uri="{FF2B5EF4-FFF2-40B4-BE49-F238E27FC236}">
-                <a16:creationId xmlns:a16="http://schemas.microsoft.com/office/drawing/2014/main" id="{AC072B8B-6943-4E2F-9193-8941014DC11C}"/>
-              </a:ext>
-            </a:extLst>
-          </p:cNvPr>
-          <p:cNvSpPr>
-            <a:spLocks noGrp="1"/>
-          </p:cNvSpPr>
-          <p:nvPr>
-            <p:ph type="body" sz="half" idx="2"/>
-          </p:nvPr>
-        </p:nvSpPr>
-        <p:spPr>
-          <a:xfrm>
-            <a:off x="1093994" y="1378857"/>
-            <a:ext cx="2793158" cy="2895599"/>
-          </a:xfrm>
-        </p:spPr>
-        <p:txBody>
-          <a:bodyPr/>
-          <a:lstStyle/>
-          <a:p>
-            <a:r>
-              <a:rPr lang="en-IN" dirty="0"/>
-              <a:t>Layered Architecture implemented with Maven.</a:t>
-            </a:r>
-          </a:p>
-          <a:p>
-            <a:r>
-              <a:rPr lang="en-IN" dirty="0"/>
-              <a:t>3 different repositories</a:t>
-            </a:r>
-          </a:p>
-          <a:p>
-            <a:pPr marL="342900" indent="-342900">
-              <a:buAutoNum type="arabicPeriod"/>
-            </a:pPr>
-            <a:r>
-              <a:rPr lang="en-IN" dirty="0" err="1"/>
-              <a:t>FileRepository</a:t>
-            </a:r>
-            <a:endParaRPr lang="en-IN" dirty="0"/>
-          </a:p>
-          <a:p>
-            <a:pPr marL="342900" indent="-342900">
-              <a:buAutoNum type="arabicPeriod" startAt="2"/>
-            </a:pPr>
-            <a:r>
-              <a:rPr lang="en-IN" dirty="0"/>
-              <a:t>Repository with Collections</a:t>
-            </a:r>
-          </a:p>
-          <a:p>
-            <a:pPr marL="342900" indent="-342900">
-              <a:buAutoNum type="arabicPeriod" startAt="2"/>
-            </a:pPr>
-            <a:r>
-              <a:rPr lang="en-IN" dirty="0"/>
-              <a:t>(Repository connected to </a:t>
-            </a:r>
-            <a:r>
-              <a:rPr lang="en-IN" dirty="0" err="1"/>
-              <a:t>mysql</a:t>
-            </a:r>
-            <a:r>
-              <a:rPr lang="en-IN" dirty="0"/>
-              <a:t> later on)</a:t>
-            </a:r>
-          </a:p>
-        </p:txBody>
-      </p:sp>
     </p:spTree>
     <p:extLst>
       <p:ext uri="{BB962C8B-B14F-4D97-AF65-F5344CB8AC3E}">
@@ -4285,6 +4309,30 @@
 <file path=ppt/slides/slide12.xml><?xml version="1.0" encoding="utf-8"?>
 <p:sld xmlns:a="http://schemas.openxmlformats.org/drawingml/2006/main" xmlns:r="http://schemas.openxmlformats.org/officeDocument/2006/relationships" xmlns:p="http://schemas.openxmlformats.org/presentationml/2006/main">
   <p:cSld>
+    <p:bg>
+      <p:bgPr>
+        <a:gradFill rotWithShape="1">
+          <a:gsLst>
+            <a:gs pos="0">
+              <a:schemeClr val="bg2">
+                <a:tint val="94000"/>
+                <a:satMod val="80000"/>
+                <a:lumMod val="106000"/>
+              </a:schemeClr>
+            </a:gs>
+            <a:gs pos="100000">
+              <a:schemeClr val="bg2">
+                <a:shade val="80000"/>
+              </a:schemeClr>
+            </a:gs>
+          </a:gsLst>
+          <a:path path="circle">
+            <a:fillToRect l="43000" r="43000" b="100000"/>
+          </a:path>
+        </a:gradFill>
+        <a:effectLst/>
+      </p:bgPr>
+    </p:bg>
     <p:spTree>
       <p:nvGrpSpPr>
         <p:cNvPr id="1" name=""/>
@@ -4301,6 +4349,352 @@
       </p:grpSpPr>
       <p:sp>
         <p:nvSpPr>
+          <p:cNvPr id="9" name="Rectangle 8">
+            <a:extLst>
+              <a:ext uri="{FF2B5EF4-FFF2-40B4-BE49-F238E27FC236}">
+                <a16:creationId xmlns:a16="http://schemas.microsoft.com/office/drawing/2014/main" id="{0CABCAE3-64FC-4149-819F-2C1812824154}"/>
+              </a:ext>
+              <a:ext uri="{C183D7F6-B498-43B3-948B-1728B52AA6E4}">
+                <adec:decorative xmlns:adec="http://schemas.microsoft.com/office/drawing/2017/decorative" val="1"/>
+              </a:ext>
+            </a:extLst>
+          </p:cNvPr>
+          <p:cNvSpPr>
+            <a:spLocks noGrp="1" noRot="1" noChangeAspect="1" noMove="1" noResize="1" noEditPoints="1" noAdjustHandles="1" noChangeArrowheads="1" noChangeShapeType="1" noTextEdit="1"/>
+          </p:cNvSpPr>
+          <p:nvPr>
+            <p:extLst>
+              <p:ext uri="{386F3935-93C4-4BCD-93E2-E3B085C9AB24}">
+                <p16:designElem xmlns:p16="http://schemas.microsoft.com/office/powerpoint/2015/main" val="1"/>
+              </p:ext>
+            </p:extLst>
+          </p:nvPr>
+        </p:nvSpPr>
+        <p:spPr>
+          <a:xfrm>
+            <a:off x="0" y="2019476"/>
+            <a:ext cx="12192000" cy="4105941"/>
+          </a:xfrm>
+          <a:prstGeom prst="rect">
+            <a:avLst/>
+          </a:prstGeom>
+          <a:gradFill flip="none" rotWithShape="1">
+            <a:gsLst>
+              <a:gs pos="0">
+                <a:schemeClr val="bg2">
+                  <a:alpha val="0"/>
+                </a:schemeClr>
+              </a:gs>
+              <a:gs pos="100000">
+                <a:schemeClr val="bg2"/>
+              </a:gs>
+            </a:gsLst>
+            <a:lin ang="5400000" scaled="0"/>
+            <a:tileRect/>
+          </a:gradFill>
+          <a:ln>
+            <a:noFill/>
+          </a:ln>
+        </p:spPr>
+        <p:style>
+          <a:lnRef idx="2">
+            <a:schemeClr val="accent1">
+              <a:shade val="50000"/>
+            </a:schemeClr>
+          </a:lnRef>
+          <a:fillRef idx="1">
+            <a:schemeClr val="accent1"/>
+          </a:fillRef>
+          <a:effectRef idx="0">
+            <a:schemeClr val="accent1"/>
+          </a:effectRef>
+          <a:fontRef idx="minor">
+            <a:schemeClr val="lt1"/>
+          </a:fontRef>
+        </p:style>
+      </p:sp>
+      <p:pic>
+        <p:nvPicPr>
+          <p:cNvPr id="11" name="Picture 10">
+            <a:extLst>
+              <a:ext uri="{FF2B5EF4-FFF2-40B4-BE49-F238E27FC236}">
+                <a16:creationId xmlns:a16="http://schemas.microsoft.com/office/drawing/2014/main" id="{012FDCFE-9AD2-4D8A-8CBF-B3AA37EBF6DD}"/>
+              </a:ext>
+              <a:ext uri="{C183D7F6-B498-43B3-948B-1728B52AA6E4}">
+                <adec:decorative xmlns:adec="http://schemas.microsoft.com/office/drawing/2017/decorative" val="1"/>
+              </a:ext>
+            </a:extLst>
+          </p:cNvPr>
+          <p:cNvPicPr>
+            <a:picLocks noGrp="1" noRot="1" noChangeAspect="1" noMove="1" noResize="1" noEditPoints="1" noAdjustHandles="1" noChangeArrowheads="1" noChangeShapeType="1" noCrop="1"/>
+          </p:cNvPicPr>
+          <p:nvPr>
+            <p:extLst>
+              <p:ext uri="{386F3935-93C4-4BCD-93E2-E3B085C9AB24}">
+                <p16:designElem xmlns:p16="http://schemas.microsoft.com/office/powerpoint/2015/main" val="1"/>
+              </p:ext>
+            </p:extLst>
+          </p:nvPr>
+        </p:nvPicPr>
+        <p:blipFill rotWithShape="1">
+          <a:blip r:embed="rId2">
+            <a:extLst>
+              <a:ext uri="{28A0092B-C50C-407E-A947-70E740481C1C}">
+                <a14:useLocalDpi xmlns:a14="http://schemas.microsoft.com/office/drawing/2010/main" val="0"/>
+              </a:ext>
+            </a:extLst>
+          </a:blip>
+          <a:srcRect t="1538" b="-1538"/>
+          <a:stretch/>
+        </p:blipFill>
+        <p:spPr bwMode="black">
+          <a:xfrm>
+            <a:off x="0" y="6126480"/>
+            <a:ext cx="12192000" cy="742950"/>
+          </a:xfrm>
+          <a:prstGeom prst="rect">
+            <a:avLst/>
+          </a:prstGeom>
+        </p:spPr>
+      </p:pic>
+      <p:cxnSp>
+        <p:nvCxnSpPr>
+          <p:cNvPr id="13" name="Straight Connector 12">
+            <a:extLst>
+              <a:ext uri="{FF2B5EF4-FFF2-40B4-BE49-F238E27FC236}">
+                <a16:creationId xmlns:a16="http://schemas.microsoft.com/office/drawing/2014/main" id="{FBD463FC-4CA8-4FF4-85A3-AF9F4B98D210}"/>
+              </a:ext>
+              <a:ext uri="{C183D7F6-B498-43B3-948B-1728B52AA6E4}">
+                <adec:decorative xmlns:adec="http://schemas.microsoft.com/office/drawing/2017/decorative" val="1"/>
+              </a:ext>
+            </a:extLst>
+          </p:cNvPr>
+          <p:cNvCxnSpPr>
+            <a:cxnSpLocks noGrp="1" noRot="1" noChangeAspect="1" noMove="1" noResize="1" noEditPoints="1" noAdjustHandles="1" noChangeArrowheads="1" noChangeShapeType="1"/>
+          </p:cNvCxnSpPr>
+          <p:nvPr>
+            <p:extLst>
+              <p:ext uri="{386F3935-93C4-4BCD-93E2-E3B085C9AB24}">
+                <p16:designElem xmlns:p16="http://schemas.microsoft.com/office/powerpoint/2015/main" val="1"/>
+              </p:ext>
+            </p:extLst>
+          </p:nvPr>
+        </p:nvCxnSpPr>
+        <p:spPr>
+          <a:xfrm>
+            <a:off x="0" y="6128413"/>
+            <a:ext cx="12192000" cy="0"/>
+          </a:xfrm>
+          <a:prstGeom prst="line">
+            <a:avLst/>
+          </a:prstGeom>
+          <a:ln w="12700">
+            <a:solidFill>
+              <a:srgbClr val="000001">
+                <a:alpha val="20000"/>
+              </a:srgbClr>
+            </a:solidFill>
+          </a:ln>
+        </p:spPr>
+        <p:style>
+          <a:lnRef idx="1">
+            <a:schemeClr val="accent1"/>
+          </a:lnRef>
+          <a:fillRef idx="0">
+            <a:schemeClr val="accent1"/>
+          </a:fillRef>
+          <a:effectRef idx="0">
+            <a:schemeClr val="accent1"/>
+          </a:effectRef>
+          <a:fontRef idx="minor">
+            <a:schemeClr val="tx1"/>
+          </a:fontRef>
+        </p:style>
+      </p:cxnSp>
+      <p:cxnSp>
+        <p:nvCxnSpPr>
+          <p:cNvPr id="15" name="Straight Connector 14">
+            <a:extLst>
+              <a:ext uri="{FF2B5EF4-FFF2-40B4-BE49-F238E27FC236}">
+                <a16:creationId xmlns:a16="http://schemas.microsoft.com/office/drawing/2014/main" id="{BECF35C3-8B44-4F4B-BD25-4C01823DB22A}"/>
+              </a:ext>
+              <a:ext uri="{C183D7F6-B498-43B3-948B-1728B52AA6E4}">
+                <adec:decorative xmlns:adec="http://schemas.microsoft.com/office/drawing/2017/decorative" val="1"/>
+              </a:ext>
+            </a:extLst>
+          </p:cNvPr>
+          <p:cNvCxnSpPr>
+            <a:cxnSpLocks noGrp="1" noRot="1" noChangeAspect="1" noMove="1" noResize="1" noEditPoints="1" noAdjustHandles="1" noChangeArrowheads="1" noChangeShapeType="1"/>
+          </p:cNvCxnSpPr>
+          <p:nvPr>
+            <p:extLst>
+              <p:ext uri="{386F3935-93C4-4BCD-93E2-E3B085C9AB24}">
+                <p16:designElem xmlns:p16="http://schemas.microsoft.com/office/powerpoint/2015/main" val="1"/>
+              </p:ext>
+            </p:extLst>
+          </p:nvPr>
+        </p:nvCxnSpPr>
+        <p:spPr>
+          <a:xfrm>
+            <a:off x="2417780" y="3528542"/>
+            <a:ext cx="8637072" cy="0"/>
+          </a:xfrm>
+          <a:prstGeom prst="line">
+            <a:avLst/>
+          </a:prstGeom>
+          <a:ln w="31750"/>
+        </p:spPr>
+        <p:style>
+          <a:lnRef idx="3">
+            <a:schemeClr val="accent1"/>
+          </a:lnRef>
+          <a:fillRef idx="0">
+            <a:schemeClr val="accent1"/>
+          </a:fillRef>
+          <a:effectRef idx="2">
+            <a:schemeClr val="accent1"/>
+          </a:effectRef>
+          <a:fontRef idx="minor">
+            <a:schemeClr val="tx1"/>
+          </a:fontRef>
+        </p:style>
+      </p:cxnSp>
+      <p:sp useBgFill="1">
+        <p:nvSpPr>
+          <p:cNvPr id="17" name="Rectangle 16">
+            <a:extLst>
+              <a:ext uri="{FF2B5EF4-FFF2-40B4-BE49-F238E27FC236}">
+                <a16:creationId xmlns:a16="http://schemas.microsoft.com/office/drawing/2014/main" id="{2FA7AD0A-1871-4DF8-9235-F49D0513B9C1}"/>
+              </a:ext>
+              <a:ext uri="{C183D7F6-B498-43B3-948B-1728B52AA6E4}">
+                <adec:decorative xmlns:adec="http://schemas.microsoft.com/office/drawing/2017/decorative" val="1"/>
+              </a:ext>
+            </a:extLst>
+          </p:cNvPr>
+          <p:cNvSpPr>
+            <a:spLocks noGrp="1" noRot="1" noChangeAspect="1" noMove="1" noResize="1" noEditPoints="1" noAdjustHandles="1" noChangeArrowheads="1" noChangeShapeType="1" noTextEdit="1"/>
+          </p:cNvSpPr>
+          <p:nvPr>
+            <p:extLst>
+              <p:ext uri="{386F3935-93C4-4BCD-93E2-E3B085C9AB24}">
+                <p16:designElem xmlns:p16="http://schemas.microsoft.com/office/powerpoint/2015/main" val="1"/>
+              </p:ext>
+            </p:extLst>
+          </p:nvPr>
+        </p:nvSpPr>
+        <p:spPr>
+          <a:xfrm>
+            <a:off x="2" y="0"/>
+            <a:ext cx="12191695" cy="6858000"/>
+          </a:xfrm>
+          <a:prstGeom prst="rect">
+            <a:avLst/>
+          </a:prstGeom>
+          <a:ln>
+            <a:noFill/>
+          </a:ln>
+        </p:spPr>
+        <p:style>
+          <a:lnRef idx="2">
+            <a:schemeClr val="accent1">
+              <a:shade val="50000"/>
+            </a:schemeClr>
+          </a:lnRef>
+          <a:fillRef idx="1">
+            <a:schemeClr val="accent1"/>
+          </a:fillRef>
+          <a:effectRef idx="0">
+            <a:schemeClr val="accent1"/>
+          </a:effectRef>
+          <a:fontRef idx="minor">
+            <a:schemeClr val="lt1"/>
+          </a:fontRef>
+        </p:style>
+        <p:txBody>
+          <a:bodyPr rtlCol="0" anchor="ctr"/>
+          <a:lstStyle/>
+          <a:p>
+            <a:pPr algn="ctr"/>
+            <a:endParaRPr lang="en-US"/>
+          </a:p>
+        </p:txBody>
+      </p:sp>
+      <p:sp>
+        <p:nvSpPr>
+          <p:cNvPr id="19" name="Rectangle 18">
+            <a:extLst>
+              <a:ext uri="{FF2B5EF4-FFF2-40B4-BE49-F238E27FC236}">
+                <a16:creationId xmlns:a16="http://schemas.microsoft.com/office/drawing/2014/main" id="{36B04CFB-FAE5-47DD-9B3E-4E9BA7A89CC1}"/>
+              </a:ext>
+              <a:ext uri="{C183D7F6-B498-43B3-948B-1728B52AA6E4}">
+                <adec:decorative xmlns:adec="http://schemas.microsoft.com/office/drawing/2017/decorative" val="1"/>
+              </a:ext>
+            </a:extLst>
+          </p:cNvPr>
+          <p:cNvSpPr>
+            <a:spLocks noGrp="1" noRot="1" noChangeAspect="1" noMove="1" noResize="1" noEditPoints="1" noAdjustHandles="1" noChangeArrowheads="1" noChangeShapeType="1" noTextEdit="1"/>
+          </p:cNvSpPr>
+          <p:nvPr>
+            <p:extLst>
+              <p:ext uri="{386F3935-93C4-4BCD-93E2-E3B085C9AB24}">
+                <p16:designElem xmlns:p16="http://schemas.microsoft.com/office/powerpoint/2015/main" val="1"/>
+              </p:ext>
+            </p:extLst>
+          </p:nvPr>
+        </p:nvSpPr>
+        <p:spPr>
+          <a:xfrm>
+            <a:off x="0" y="2019476"/>
+            <a:ext cx="12192000" cy="4105941"/>
+          </a:xfrm>
+          <a:prstGeom prst="rect">
+            <a:avLst/>
+          </a:prstGeom>
+          <a:gradFill flip="none" rotWithShape="1">
+            <a:gsLst>
+              <a:gs pos="0">
+                <a:schemeClr val="bg2">
+                  <a:alpha val="0"/>
+                </a:schemeClr>
+              </a:gs>
+              <a:gs pos="100000">
+                <a:schemeClr val="bg2"/>
+              </a:gs>
+            </a:gsLst>
+            <a:lin ang="5400000" scaled="0"/>
+            <a:tileRect/>
+          </a:gradFill>
+          <a:ln>
+            <a:noFill/>
+          </a:ln>
+        </p:spPr>
+        <p:style>
+          <a:lnRef idx="2">
+            <a:schemeClr val="accent1">
+              <a:shade val="50000"/>
+            </a:schemeClr>
+          </a:lnRef>
+          <a:fillRef idx="1">
+            <a:schemeClr val="accent1"/>
+          </a:fillRef>
+          <a:effectRef idx="0">
+            <a:schemeClr val="accent1"/>
+          </a:effectRef>
+          <a:fontRef idx="minor">
+            <a:schemeClr val="lt1"/>
+          </a:fontRef>
+        </p:style>
+        <p:txBody>
+          <a:bodyPr rtlCol="0" anchor="ctr"/>
+          <a:lstStyle/>
+          <a:p>
+            <a:pPr lvl="0" algn="ctr"/>
+            <a:endParaRPr lang="en-US"/>
+          </a:p>
+        </p:txBody>
+      </p:sp>
+      <p:sp>
+        <p:nvSpPr>
           <p:cNvPr id="2" name="Title 1">
             <a:extLst>
               <a:ext uri="{FF2B5EF4-FFF2-40B4-BE49-F238E27FC236}">
@@ -4315,13 +4709,20 @@
             <p:ph type="title"/>
           </p:nvPr>
         </p:nvSpPr>
-        <p:spPr/>
-        <p:txBody>
-          <a:bodyPr/>
-          <a:lstStyle/>
-          <a:p>
-            <a:r>
-              <a:rPr lang="en-IN" dirty="0"/>
+        <p:spPr>
+          <a:xfrm>
+            <a:off x="659301" y="1474969"/>
+            <a:ext cx="2823919" cy="1868760"/>
+          </a:xfrm>
+        </p:spPr>
+        <p:txBody>
+          <a:bodyPr vert="horz" lIns="91440" tIns="45720" rIns="91440" bIns="0" rtlCol="0" anchor="b">
+            <a:normAutofit/>
+          </a:bodyPr>
+          <a:lstStyle/>
+          <a:p>
+            <a:r>
+              <a:rPr lang="en-US"/>
               <a:t>Testing</a:t>
             </a:r>
           </a:p>
@@ -4343,28 +4744,463 @@
             <p:ph type="body" idx="1"/>
           </p:nvPr>
         </p:nvSpPr>
-        <p:spPr/>
-        <p:txBody>
-          <a:bodyPr>
+        <p:spPr>
+          <a:xfrm>
+            <a:off x="659302" y="3531204"/>
+            <a:ext cx="2823919" cy="1610643"/>
+          </a:xfrm>
+        </p:spPr>
+        <p:txBody>
+          <a:bodyPr vert="horz" lIns="91440" tIns="91440" rIns="91440" bIns="91440" rtlCol="0">
             <a:normAutofit/>
           </a:bodyPr>
           <a:lstStyle/>
           <a:p>
             <a:r>
-              <a:rPr lang="en-IN" dirty="0"/>
-              <a:t>Testing with </a:t>
-            </a:r>
-            <a:r>
-              <a:rPr lang="en-IN" dirty="0" err="1"/>
-              <a:t>junit</a:t>
-            </a:r>
-            <a:r>
-              <a:rPr lang="en-IN" dirty="0"/>
-              <a:t> </a:t>
-            </a:r>
-          </a:p>
-        </p:txBody>
-      </p:sp>
+              <a:rPr lang="en-US" sz="1600" cap="all"/>
+              <a:t>Testing with junit </a:t>
+            </a:r>
+          </a:p>
+        </p:txBody>
+      </p:sp>
+      <p:cxnSp>
+        <p:nvCxnSpPr>
+          <p:cNvPr id="21" name="Straight Connector 20">
+            <a:extLst>
+              <a:ext uri="{FF2B5EF4-FFF2-40B4-BE49-F238E27FC236}">
+                <a16:creationId xmlns:a16="http://schemas.microsoft.com/office/drawing/2014/main" id="{EE68D41B-9286-479F-9AB7-678C8E348D71}"/>
+              </a:ext>
+              <a:ext uri="{C183D7F6-B498-43B3-948B-1728B52AA6E4}">
+                <adec:decorative xmlns:adec="http://schemas.microsoft.com/office/drawing/2017/decorative" val="1"/>
+              </a:ext>
+            </a:extLst>
+          </p:cNvPr>
+          <p:cNvCxnSpPr>
+            <a:cxnSpLocks noGrp="1" noRot="1" noChangeAspect="1" noMove="1" noResize="1" noEditPoints="1" noAdjustHandles="1" noChangeArrowheads="1" noChangeShapeType="1"/>
+          </p:cNvCxnSpPr>
+          <p:nvPr>
+            <p:extLst>
+              <p:ext uri="{386F3935-93C4-4BCD-93E2-E3B085C9AB24}">
+                <p16:designElem xmlns:p16="http://schemas.microsoft.com/office/powerpoint/2015/main" val="1"/>
+              </p:ext>
+            </p:extLst>
+          </p:nvPr>
+        </p:nvCxnSpPr>
+        <p:spPr>
+          <a:xfrm>
+            <a:off x="659301" y="3528543"/>
+            <a:ext cx="2823919" cy="0"/>
+          </a:xfrm>
+          <a:prstGeom prst="line">
+            <a:avLst/>
+          </a:prstGeom>
+          <a:ln w="31750"/>
+        </p:spPr>
+        <p:style>
+          <a:lnRef idx="3">
+            <a:schemeClr val="accent1"/>
+          </a:lnRef>
+          <a:fillRef idx="0">
+            <a:schemeClr val="accent1"/>
+          </a:fillRef>
+          <a:effectRef idx="2">
+            <a:schemeClr val="accent1"/>
+          </a:effectRef>
+          <a:fontRef idx="minor">
+            <a:schemeClr val="tx1"/>
+          </a:fontRef>
+        </p:style>
+      </p:cxnSp>
+      <p:grpSp>
+        <p:nvGrpSpPr>
+          <p:cNvPr id="23" name="Group 22">
+            <a:extLst>
+              <a:ext uri="{FF2B5EF4-FFF2-40B4-BE49-F238E27FC236}">
+                <a16:creationId xmlns:a16="http://schemas.microsoft.com/office/drawing/2014/main" id="{E8ACF89C-CFC3-4D68-B3C4-2BEFB7BBE5F7}"/>
+              </a:ext>
+              <a:ext uri="{C183D7F6-B498-43B3-948B-1728B52AA6E4}">
+                <adec:decorative xmlns:adec="http://schemas.microsoft.com/office/drawing/2017/decorative" val="1"/>
+              </a:ext>
+            </a:extLst>
+          </p:cNvPr>
+          <p:cNvGrpSpPr>
+            <a:grpSpLocks noGrp="1" noUngrp="1" noRot="1" noChangeAspect="1" noMove="1" noResize="1"/>
+          </p:cNvGrpSpPr>
+          <p:nvPr>
+            <p:extLst>
+              <p:ext uri="{386F3935-93C4-4BCD-93E2-E3B085C9AB24}">
+                <p16:designElem xmlns:p16="http://schemas.microsoft.com/office/powerpoint/2015/main" val="1"/>
+              </p:ext>
+            </p:extLst>
+          </p:nvPr>
+        </p:nvGrpSpPr>
+        <p:grpSpPr>
+          <a:xfrm>
+            <a:off x="3979389" y="482171"/>
+            <a:ext cx="7560115" cy="5149101"/>
+            <a:chOff x="3979389" y="482171"/>
+            <a:chExt cx="7560115" cy="5149101"/>
+          </a:xfrm>
+        </p:grpSpPr>
+        <p:sp>
+          <p:nvSpPr>
+            <p:cNvPr id="24" name="Rectangle 23">
+              <a:extLst>
+                <a:ext uri="{FF2B5EF4-FFF2-40B4-BE49-F238E27FC236}">
+                  <a16:creationId xmlns:a16="http://schemas.microsoft.com/office/drawing/2014/main" id="{3B770B7D-3C5C-4682-8DF0-20783592F3B6}"/>
+                </a:ext>
+                <a:ext uri="{C183D7F6-B498-43B3-948B-1728B52AA6E4}">
+                  <adec:decorative xmlns:adec="http://schemas.microsoft.com/office/drawing/2017/decorative" val="1"/>
+                </a:ext>
+              </a:extLst>
+            </p:cNvPr>
+            <p:cNvSpPr/>
+            <p:nvPr>
+              <p:extLst>
+                <p:ext uri="{386F3935-93C4-4BCD-93E2-E3B085C9AB24}">
+                  <p16:designElem xmlns:p16="http://schemas.microsoft.com/office/powerpoint/2015/main" val="1"/>
+                </p:ext>
+              </p:extLst>
+            </p:nvPr>
+          </p:nvSpPr>
+          <p:spPr>
+            <a:xfrm>
+              <a:off x="3979389" y="482171"/>
+              <a:ext cx="7560115" cy="5149101"/>
+            </a:xfrm>
+            <a:prstGeom prst="rect">
+              <a:avLst/>
+            </a:prstGeom>
+            <a:gradFill>
+              <a:gsLst>
+                <a:gs pos="0">
+                  <a:srgbClr val="000001"/>
+                </a:gs>
+                <a:gs pos="100000">
+                  <a:srgbClr val="191919"/>
+                </a:gs>
+              </a:gsLst>
+            </a:gradFill>
+            <a:ln w="76200" cmpd="sng">
+              <a:noFill/>
+              <a:miter lim="800000"/>
+            </a:ln>
+            <a:effectLst>
+              <a:outerShdw blurRad="127000" dist="228600" dir="4740000" sx="98000" sy="98000" algn="tl" rotWithShape="0">
+                <a:srgbClr val="000000">
+                  <a:alpha val="34000"/>
+                </a:srgbClr>
+              </a:outerShdw>
+            </a:effectLst>
+            <a:scene3d>
+              <a:camera prst="orthographicFront"/>
+              <a:lightRig rig="threePt" dir="t"/>
+            </a:scene3d>
+            <a:sp3d>
+              <a:bevelT w="152400" h="50800" prst="softRound"/>
+            </a:sp3d>
+          </p:spPr>
+          <p:style>
+            <a:lnRef idx="1">
+              <a:schemeClr val="accent1"/>
+            </a:lnRef>
+            <a:fillRef idx="3">
+              <a:schemeClr val="accent1"/>
+            </a:fillRef>
+            <a:effectRef idx="2">
+              <a:schemeClr val="accent1"/>
+            </a:effectRef>
+            <a:fontRef idx="minor">
+              <a:schemeClr val="lt1"/>
+            </a:fontRef>
+          </p:style>
+          <p:txBody>
+            <a:bodyPr rtlCol="0" anchor="ctr"/>
+            <a:lstStyle/>
+            <a:p>
+              <a:pPr algn="ctr"/>
+              <a:endParaRPr lang="en-US"/>
+            </a:p>
+          </p:txBody>
+        </p:sp>
+        <p:sp>
+          <p:nvSpPr>
+            <p:cNvPr id="25" name="Rectangle 24">
+              <a:extLst>
+                <a:ext uri="{FF2B5EF4-FFF2-40B4-BE49-F238E27FC236}">
+                  <a16:creationId xmlns:a16="http://schemas.microsoft.com/office/drawing/2014/main" id="{A6893E11-7EC1-4EB6-A2A8-0B693F8FE576}"/>
+                </a:ext>
+                <a:ext uri="{C183D7F6-B498-43B3-948B-1728B52AA6E4}">
+                  <adec:decorative xmlns:adec="http://schemas.microsoft.com/office/drawing/2017/decorative" val="1"/>
+                </a:ext>
+              </a:extLst>
+            </p:cNvPr>
+            <p:cNvSpPr/>
+            <p:nvPr>
+              <p:extLst>
+                <p:ext uri="{386F3935-93C4-4BCD-93E2-E3B085C9AB24}">
+                  <p16:designElem xmlns:p16="http://schemas.microsoft.com/office/powerpoint/2015/main" val="1"/>
+                </p:ext>
+              </p:extLst>
+            </p:nvPr>
+          </p:nvSpPr>
+          <p:spPr>
+            <a:xfrm>
+              <a:off x="4292448" y="812507"/>
+              <a:ext cx="6928279" cy="4466452"/>
+            </a:xfrm>
+            <a:prstGeom prst="rect">
+              <a:avLst/>
+            </a:prstGeom>
+            <a:gradFill>
+              <a:gsLst>
+                <a:gs pos="0">
+                  <a:srgbClr val="DADADA"/>
+                </a:gs>
+                <a:gs pos="100000">
+                  <a:srgbClr val="FFFFFE"/>
+                </a:gs>
+              </a:gsLst>
+              <a:lin ang="16200000" scaled="0"/>
+            </a:gradFill>
+            <a:ln w="50800" cmpd="sng">
+              <a:solidFill>
+                <a:srgbClr val="191919"/>
+              </a:solidFill>
+              <a:miter lim="800000"/>
+            </a:ln>
+            <a:effectLst>
+              <a:innerShdw blurRad="63500" dist="88900" dir="14100000">
+                <a:srgbClr val="000000">
+                  <a:alpha val="30000"/>
+                </a:srgbClr>
+              </a:innerShdw>
+            </a:effectLst>
+            <a:scene3d>
+              <a:camera prst="orthographicFront"/>
+              <a:lightRig rig="threePt" dir="t"/>
+            </a:scene3d>
+            <a:sp3d>
+              <a:bevelT prst="relaxedInset"/>
+            </a:sp3d>
+          </p:spPr>
+          <p:style>
+            <a:lnRef idx="1">
+              <a:schemeClr val="accent1"/>
+            </a:lnRef>
+            <a:fillRef idx="3">
+              <a:schemeClr val="accent1"/>
+            </a:fillRef>
+            <a:effectRef idx="2">
+              <a:schemeClr val="accent1"/>
+            </a:effectRef>
+            <a:fontRef idx="minor">
+              <a:schemeClr val="lt1"/>
+            </a:fontRef>
+          </p:style>
+          <p:txBody>
+            <a:bodyPr rtlCol="0" anchor="ctr"/>
+            <a:lstStyle/>
+            <a:p>
+              <a:pPr algn="ctr"/>
+              <a:endParaRPr lang="en-US"/>
+            </a:p>
+          </p:txBody>
+        </p:sp>
+      </p:grpSp>
+      <p:sp>
+        <p:nvSpPr>
+          <p:cNvPr id="27" name="Rectangle 26">
+            <a:extLst>
+              <a:ext uri="{FF2B5EF4-FFF2-40B4-BE49-F238E27FC236}">
+                <a16:creationId xmlns:a16="http://schemas.microsoft.com/office/drawing/2014/main" id="{622F7FD7-8884-4FD5-95AB-0B5C6033ADF7}"/>
+              </a:ext>
+              <a:ext uri="{C183D7F6-B498-43B3-948B-1728B52AA6E4}">
+                <adec:decorative xmlns:adec="http://schemas.microsoft.com/office/drawing/2017/decorative" val="1"/>
+              </a:ext>
+            </a:extLst>
+          </p:cNvPr>
+          <p:cNvSpPr>
+            <a:spLocks noGrp="1" noRot="1" noChangeAspect="1" noMove="1" noResize="1" noEditPoints="1" noAdjustHandles="1" noChangeArrowheads="1" noChangeShapeType="1" noTextEdit="1"/>
+          </p:cNvSpPr>
+          <p:nvPr>
+            <p:extLst>
+              <p:ext uri="{386F3935-93C4-4BCD-93E2-E3B085C9AB24}">
+                <p16:designElem xmlns:p16="http://schemas.microsoft.com/office/powerpoint/2015/main" val="1"/>
+              </p:ext>
+            </p:extLst>
+          </p:nvPr>
+        </p:nvSpPr>
+        <p:spPr>
+          <a:xfrm>
+            <a:off x="4455487" y="977965"/>
+            <a:ext cx="6615582" cy="4135339"/>
+          </a:xfrm>
+          <a:prstGeom prst="rect">
+            <a:avLst/>
+          </a:prstGeom>
+          <a:solidFill>
+            <a:schemeClr val="bg1"/>
+          </a:solidFill>
+          <a:ln w="6350">
+            <a:solidFill>
+              <a:schemeClr val="bg2"/>
+            </a:solidFill>
+          </a:ln>
+        </p:spPr>
+        <p:style>
+          <a:lnRef idx="2">
+            <a:schemeClr val="accent1">
+              <a:shade val="50000"/>
+            </a:schemeClr>
+          </a:lnRef>
+          <a:fillRef idx="1">
+            <a:schemeClr val="accent1"/>
+          </a:fillRef>
+          <a:effectRef idx="0">
+            <a:schemeClr val="accent1"/>
+          </a:effectRef>
+          <a:fontRef idx="minor">
+            <a:schemeClr val="lt1"/>
+          </a:fontRef>
+        </p:style>
+        <p:txBody>
+          <a:bodyPr rtlCol="0" anchor="ctr"/>
+          <a:lstStyle/>
+          <a:p>
+            <a:pPr algn="ctr"/>
+            <a:endParaRPr lang="en-US"/>
+          </a:p>
+        </p:txBody>
+      </p:sp>
+      <p:pic>
+        <p:nvPicPr>
+          <p:cNvPr id="4" name="Picture 3">
+            <a:extLst>
+              <a:ext uri="{FF2B5EF4-FFF2-40B4-BE49-F238E27FC236}">
+                <a16:creationId xmlns:a16="http://schemas.microsoft.com/office/drawing/2014/main" id="{6D97E1AC-EA5A-B84F-B016-EE64E71AB0E9}"/>
+              </a:ext>
+            </a:extLst>
+          </p:cNvPr>
+          <p:cNvPicPr>
+            <a:picLocks noChangeAspect="1"/>
+          </p:cNvPicPr>
+          <p:nvPr/>
+        </p:nvPicPr>
+        <p:blipFill>
+          <a:blip r:embed="rId3"/>
+          <a:stretch>
+            <a:fillRect/>
+          </a:stretch>
+        </p:blipFill>
+        <p:spPr>
+          <a:xfrm>
+            <a:off x="4618374" y="1276956"/>
+            <a:ext cx="6282919" cy="3544949"/>
+          </a:xfrm>
+          <a:prstGeom prst="rect">
+            <a:avLst/>
+          </a:prstGeom>
+        </p:spPr>
+      </p:pic>
+      <p:pic>
+        <p:nvPicPr>
+          <p:cNvPr id="29" name="Picture 28">
+            <a:extLst>
+              <a:ext uri="{FF2B5EF4-FFF2-40B4-BE49-F238E27FC236}">
+                <a16:creationId xmlns:a16="http://schemas.microsoft.com/office/drawing/2014/main" id="{16EFE474-4FE0-4E8F-8F09-5ED2C9E76A84}"/>
+              </a:ext>
+              <a:ext uri="{C183D7F6-B498-43B3-948B-1728B52AA6E4}">
+                <adec:decorative xmlns:adec="http://schemas.microsoft.com/office/drawing/2017/decorative" val="1"/>
+              </a:ext>
+            </a:extLst>
+          </p:cNvPr>
+          <p:cNvPicPr>
+            <a:picLocks noGrp="1" noRot="1" noChangeAspect="1" noMove="1" noResize="1" noEditPoints="1" noAdjustHandles="1" noChangeArrowheads="1" noChangeShapeType="1" noCrop="1"/>
+          </p:cNvPicPr>
+          <p:nvPr>
+            <p:extLst>
+              <p:ext uri="{386F3935-93C4-4BCD-93E2-E3B085C9AB24}">
+                <p16:designElem xmlns:p16="http://schemas.microsoft.com/office/powerpoint/2015/main" val="1"/>
+              </p:ext>
+            </p:extLst>
+          </p:nvPr>
+        </p:nvPicPr>
+        <p:blipFill rotWithShape="1">
+          <a:blip r:embed="rId2">
+            <a:extLst>
+              <a:ext uri="{28A0092B-C50C-407E-A947-70E740481C1C}">
+                <a14:useLocalDpi xmlns:a14="http://schemas.microsoft.com/office/drawing/2010/main" val="0"/>
+              </a:ext>
+            </a:extLst>
+          </a:blip>
+          <a:srcRect t="1538" b="-1538"/>
+          <a:stretch/>
+        </p:blipFill>
+        <p:spPr bwMode="black">
+          <a:xfrm>
+            <a:off x="0" y="6126480"/>
+            <a:ext cx="12192000" cy="742950"/>
+          </a:xfrm>
+          <a:prstGeom prst="rect">
+            <a:avLst/>
+          </a:prstGeom>
+        </p:spPr>
+      </p:pic>
+      <p:cxnSp>
+        <p:nvCxnSpPr>
+          <p:cNvPr id="31" name="Straight Connector 30">
+            <a:extLst>
+              <a:ext uri="{FF2B5EF4-FFF2-40B4-BE49-F238E27FC236}">
+                <a16:creationId xmlns:a16="http://schemas.microsoft.com/office/drawing/2014/main" id="{CF8B8C81-54DC-4AF5-B682-3A2C70A6B55C}"/>
+              </a:ext>
+              <a:ext uri="{C183D7F6-B498-43B3-948B-1728B52AA6E4}">
+                <adec:decorative xmlns:adec="http://schemas.microsoft.com/office/drawing/2017/decorative" val="1"/>
+              </a:ext>
+            </a:extLst>
+          </p:cNvPr>
+          <p:cNvCxnSpPr>
+            <a:cxnSpLocks noGrp="1" noRot="1" noChangeAspect="1" noMove="1" noResize="1" noEditPoints="1" noAdjustHandles="1" noChangeArrowheads="1" noChangeShapeType="1"/>
+          </p:cNvCxnSpPr>
+          <p:nvPr>
+            <p:extLst>
+              <p:ext uri="{386F3935-93C4-4BCD-93E2-E3B085C9AB24}">
+                <p16:designElem xmlns:p16="http://schemas.microsoft.com/office/powerpoint/2015/main" val="1"/>
+              </p:ext>
+            </p:extLst>
+          </p:nvPr>
+        </p:nvCxnSpPr>
+        <p:spPr>
+          <a:xfrm>
+            <a:off x="0" y="6128413"/>
+            <a:ext cx="12192000" cy="0"/>
+          </a:xfrm>
+          <a:prstGeom prst="line">
+            <a:avLst/>
+          </a:prstGeom>
+          <a:ln w="12700">
+            <a:solidFill>
+              <a:srgbClr val="000001">
+                <a:alpha val="20000"/>
+              </a:srgbClr>
+            </a:solidFill>
+          </a:ln>
+        </p:spPr>
+        <p:style>
+          <a:lnRef idx="1">
+            <a:schemeClr val="accent1"/>
+          </a:lnRef>
+          <a:fillRef idx="0">
+            <a:schemeClr val="accent1"/>
+          </a:fillRef>
+          <a:effectRef idx="0">
+            <a:schemeClr val="accent1"/>
+          </a:effectRef>
+          <a:fontRef idx="minor">
+            <a:schemeClr val="tx1"/>
+          </a:fontRef>
+        </p:style>
+      </p:cxnSp>
     </p:spTree>
     <p:extLst>
       <p:ext uri="{BB962C8B-B14F-4D97-AF65-F5344CB8AC3E}">
@@ -4395,56 +5231,66 @@
           <a:chExt cx="0" cy="0"/>
         </a:xfrm>
       </p:grpSpPr>
-      <p:sp>
-        <p:nvSpPr>
-          <p:cNvPr id="2" name="Title 1">
+      <p:pic>
+        <p:nvPicPr>
+          <p:cNvPr id="6" name="Picture 5">
             <a:extLst>
               <a:ext uri="{FF2B5EF4-FFF2-40B4-BE49-F238E27FC236}">
-                <a16:creationId xmlns:a16="http://schemas.microsoft.com/office/drawing/2014/main" id="{B9438D55-1DD1-4FC8-9037-FF16BFABB172}"/>
+                <a16:creationId xmlns:a16="http://schemas.microsoft.com/office/drawing/2014/main" id="{F873BF29-C205-AE47-9AA7-0C423C3F8543}"/>
               </a:ext>
             </a:extLst>
           </p:cNvPr>
-          <p:cNvSpPr>
-            <a:spLocks noGrp="1"/>
-          </p:cNvSpPr>
-          <p:nvPr>
-            <p:ph type="title"/>
-          </p:nvPr>
-        </p:nvSpPr>
-        <p:spPr/>
-        <p:txBody>
-          <a:bodyPr/>
-          <a:lstStyle/>
-          <a:p>
-            <a:endParaRPr lang="en-IN"/>
-          </a:p>
-        </p:txBody>
-      </p:sp>
-      <p:sp>
-        <p:nvSpPr>
-          <p:cNvPr id="3" name="Text Placeholder 2">
+          <p:cNvPicPr>
+            <a:picLocks noChangeAspect="1"/>
+          </p:cNvPicPr>
+          <p:nvPr/>
+        </p:nvPicPr>
+        <p:blipFill>
+          <a:blip r:embed="rId2"/>
+          <a:stretch>
+            <a:fillRect/>
+          </a:stretch>
+        </p:blipFill>
+        <p:spPr>
+          <a:xfrm>
+            <a:off x="7240336" y="847124"/>
+            <a:ext cx="4711700" cy="4169719"/>
+          </a:xfrm>
+          <a:prstGeom prst="rect">
+            <a:avLst/>
+          </a:prstGeom>
+        </p:spPr>
+      </p:pic>
+      <p:pic>
+        <p:nvPicPr>
+          <p:cNvPr id="7" name="Picture 6">
             <a:extLst>
               <a:ext uri="{FF2B5EF4-FFF2-40B4-BE49-F238E27FC236}">
-                <a16:creationId xmlns:a16="http://schemas.microsoft.com/office/drawing/2014/main" id="{99139BA7-5D9E-44EA-B4B0-E79D9F04BCB4}"/>
+                <a16:creationId xmlns:a16="http://schemas.microsoft.com/office/drawing/2014/main" id="{425654AB-C62B-D841-A38C-BF29F986C173}"/>
               </a:ext>
             </a:extLst>
           </p:cNvPr>
-          <p:cNvSpPr>
-            <a:spLocks noGrp="1"/>
-          </p:cNvSpPr>
-          <p:nvPr>
-            <p:ph type="body" idx="1"/>
-          </p:nvPr>
-        </p:nvSpPr>
-        <p:spPr/>
-        <p:txBody>
-          <a:bodyPr/>
-          <a:lstStyle/>
-          <a:p>
-            <a:endParaRPr lang="en-IN"/>
-          </a:p>
-        </p:txBody>
-      </p:sp>
+          <p:cNvPicPr>
+            <a:picLocks noChangeAspect="1"/>
+          </p:cNvPicPr>
+          <p:nvPr/>
+        </p:nvPicPr>
+        <p:blipFill>
+          <a:blip r:embed="rId3"/>
+          <a:stretch>
+            <a:fillRect/>
+          </a:stretch>
+        </p:blipFill>
+        <p:spPr>
+          <a:xfrm>
+            <a:off x="558257" y="847125"/>
+            <a:ext cx="6521441" cy="4169719"/>
+          </a:xfrm>
+          <a:prstGeom prst="rect">
+            <a:avLst/>
+          </a:prstGeom>
+        </p:spPr>
+      </p:pic>
     </p:spTree>
     <p:extLst>
       <p:ext uri="{BB962C8B-B14F-4D97-AF65-F5344CB8AC3E}">
@@ -4858,6 +5704,30 @@
 <file path=ppt/slides/slide18.xml><?xml version="1.0" encoding="utf-8"?>
 <p:sld xmlns:a="http://schemas.openxmlformats.org/drawingml/2006/main" xmlns:r="http://schemas.openxmlformats.org/officeDocument/2006/relationships" xmlns:p="http://schemas.openxmlformats.org/presentationml/2006/main">
   <p:cSld>
+    <p:bg>
+      <p:bgPr>
+        <a:gradFill rotWithShape="1">
+          <a:gsLst>
+            <a:gs pos="0">
+              <a:schemeClr val="bg2">
+                <a:tint val="94000"/>
+                <a:satMod val="80000"/>
+                <a:lumMod val="106000"/>
+              </a:schemeClr>
+            </a:gs>
+            <a:gs pos="100000">
+              <a:schemeClr val="bg2">
+                <a:shade val="80000"/>
+              </a:schemeClr>
+            </a:gs>
+          </a:gsLst>
+          <a:path path="circle">
+            <a:fillToRect l="43000" r="43000" b="100000"/>
+          </a:path>
+        </a:gradFill>
+        <a:effectLst/>
+      </p:bgPr>
+    </p:bg>
     <p:spTree>
       <p:nvGrpSpPr>
         <p:cNvPr id="1" name=""/>
@@ -4874,6 +5744,352 @@
       </p:grpSpPr>
       <p:sp>
         <p:nvSpPr>
+          <p:cNvPr id="10" name="Rectangle 9">
+            <a:extLst>
+              <a:ext uri="{FF2B5EF4-FFF2-40B4-BE49-F238E27FC236}">
+                <a16:creationId xmlns:a16="http://schemas.microsoft.com/office/drawing/2014/main" id="{0CABCAE3-64FC-4149-819F-2C1812824154}"/>
+              </a:ext>
+              <a:ext uri="{C183D7F6-B498-43B3-948B-1728B52AA6E4}">
+                <adec:decorative xmlns:adec="http://schemas.microsoft.com/office/drawing/2017/decorative" val="1"/>
+              </a:ext>
+            </a:extLst>
+          </p:cNvPr>
+          <p:cNvSpPr>
+            <a:spLocks noGrp="1" noRot="1" noChangeAspect="1" noMove="1" noResize="1" noEditPoints="1" noAdjustHandles="1" noChangeArrowheads="1" noChangeShapeType="1" noTextEdit="1"/>
+          </p:cNvSpPr>
+          <p:nvPr>
+            <p:extLst>
+              <p:ext uri="{386F3935-93C4-4BCD-93E2-E3B085C9AB24}">
+                <p16:designElem xmlns:p16="http://schemas.microsoft.com/office/powerpoint/2015/main" val="1"/>
+              </p:ext>
+            </p:extLst>
+          </p:nvPr>
+        </p:nvSpPr>
+        <p:spPr>
+          <a:xfrm>
+            <a:off x="0" y="2019476"/>
+            <a:ext cx="12192000" cy="4105941"/>
+          </a:xfrm>
+          <a:prstGeom prst="rect">
+            <a:avLst/>
+          </a:prstGeom>
+          <a:gradFill flip="none" rotWithShape="1">
+            <a:gsLst>
+              <a:gs pos="0">
+                <a:schemeClr val="bg2">
+                  <a:alpha val="0"/>
+                </a:schemeClr>
+              </a:gs>
+              <a:gs pos="100000">
+                <a:schemeClr val="bg2"/>
+              </a:gs>
+            </a:gsLst>
+            <a:lin ang="5400000" scaled="0"/>
+            <a:tileRect/>
+          </a:gradFill>
+          <a:ln>
+            <a:noFill/>
+          </a:ln>
+        </p:spPr>
+        <p:style>
+          <a:lnRef idx="2">
+            <a:schemeClr val="accent1">
+              <a:shade val="50000"/>
+            </a:schemeClr>
+          </a:lnRef>
+          <a:fillRef idx="1">
+            <a:schemeClr val="accent1"/>
+          </a:fillRef>
+          <a:effectRef idx="0">
+            <a:schemeClr val="accent1"/>
+          </a:effectRef>
+          <a:fontRef idx="minor">
+            <a:schemeClr val="lt1"/>
+          </a:fontRef>
+        </p:style>
+      </p:sp>
+      <p:pic>
+        <p:nvPicPr>
+          <p:cNvPr id="12" name="Picture 11">
+            <a:extLst>
+              <a:ext uri="{FF2B5EF4-FFF2-40B4-BE49-F238E27FC236}">
+                <a16:creationId xmlns:a16="http://schemas.microsoft.com/office/drawing/2014/main" id="{012FDCFE-9AD2-4D8A-8CBF-B3AA37EBF6DD}"/>
+              </a:ext>
+              <a:ext uri="{C183D7F6-B498-43B3-948B-1728B52AA6E4}">
+                <adec:decorative xmlns:adec="http://schemas.microsoft.com/office/drawing/2017/decorative" val="1"/>
+              </a:ext>
+            </a:extLst>
+          </p:cNvPr>
+          <p:cNvPicPr>
+            <a:picLocks noGrp="1" noRot="1" noChangeAspect="1" noMove="1" noResize="1" noEditPoints="1" noAdjustHandles="1" noChangeArrowheads="1" noChangeShapeType="1" noCrop="1"/>
+          </p:cNvPicPr>
+          <p:nvPr>
+            <p:extLst>
+              <p:ext uri="{386F3935-93C4-4BCD-93E2-E3B085C9AB24}">
+                <p16:designElem xmlns:p16="http://schemas.microsoft.com/office/powerpoint/2015/main" val="1"/>
+              </p:ext>
+            </p:extLst>
+          </p:nvPr>
+        </p:nvPicPr>
+        <p:blipFill rotWithShape="1">
+          <a:blip r:embed="rId2">
+            <a:extLst>
+              <a:ext uri="{28A0092B-C50C-407E-A947-70E740481C1C}">
+                <a14:useLocalDpi xmlns:a14="http://schemas.microsoft.com/office/drawing/2010/main" val="0"/>
+              </a:ext>
+            </a:extLst>
+          </a:blip>
+          <a:srcRect t="1538" b="-1538"/>
+          <a:stretch/>
+        </p:blipFill>
+        <p:spPr bwMode="black">
+          <a:xfrm>
+            <a:off x="0" y="6126480"/>
+            <a:ext cx="12192000" cy="742950"/>
+          </a:xfrm>
+          <a:prstGeom prst="rect">
+            <a:avLst/>
+          </a:prstGeom>
+        </p:spPr>
+      </p:pic>
+      <p:cxnSp>
+        <p:nvCxnSpPr>
+          <p:cNvPr id="14" name="Straight Connector 13">
+            <a:extLst>
+              <a:ext uri="{FF2B5EF4-FFF2-40B4-BE49-F238E27FC236}">
+                <a16:creationId xmlns:a16="http://schemas.microsoft.com/office/drawing/2014/main" id="{FBD463FC-4CA8-4FF4-85A3-AF9F4B98D210}"/>
+              </a:ext>
+              <a:ext uri="{C183D7F6-B498-43B3-948B-1728B52AA6E4}">
+                <adec:decorative xmlns:adec="http://schemas.microsoft.com/office/drawing/2017/decorative" val="1"/>
+              </a:ext>
+            </a:extLst>
+          </p:cNvPr>
+          <p:cNvCxnSpPr>
+            <a:cxnSpLocks noGrp="1" noRot="1" noChangeAspect="1" noMove="1" noResize="1" noEditPoints="1" noAdjustHandles="1" noChangeArrowheads="1" noChangeShapeType="1"/>
+          </p:cNvCxnSpPr>
+          <p:nvPr>
+            <p:extLst>
+              <p:ext uri="{386F3935-93C4-4BCD-93E2-E3B085C9AB24}">
+                <p16:designElem xmlns:p16="http://schemas.microsoft.com/office/powerpoint/2015/main" val="1"/>
+              </p:ext>
+            </p:extLst>
+          </p:nvPr>
+        </p:nvCxnSpPr>
+        <p:spPr>
+          <a:xfrm>
+            <a:off x="0" y="6128413"/>
+            <a:ext cx="12192000" cy="0"/>
+          </a:xfrm>
+          <a:prstGeom prst="line">
+            <a:avLst/>
+          </a:prstGeom>
+          <a:ln w="12700">
+            <a:solidFill>
+              <a:srgbClr val="000001">
+                <a:alpha val="20000"/>
+              </a:srgbClr>
+            </a:solidFill>
+          </a:ln>
+        </p:spPr>
+        <p:style>
+          <a:lnRef idx="1">
+            <a:schemeClr val="accent1"/>
+          </a:lnRef>
+          <a:fillRef idx="0">
+            <a:schemeClr val="accent1"/>
+          </a:fillRef>
+          <a:effectRef idx="0">
+            <a:schemeClr val="accent1"/>
+          </a:effectRef>
+          <a:fontRef idx="minor">
+            <a:schemeClr val="tx1"/>
+          </a:fontRef>
+        </p:style>
+      </p:cxnSp>
+      <p:cxnSp>
+        <p:nvCxnSpPr>
+          <p:cNvPr id="16" name="Straight Connector 15">
+            <a:extLst>
+              <a:ext uri="{FF2B5EF4-FFF2-40B4-BE49-F238E27FC236}">
+                <a16:creationId xmlns:a16="http://schemas.microsoft.com/office/drawing/2014/main" id="{BECF35C3-8B44-4F4B-BD25-4C01823DB22A}"/>
+              </a:ext>
+              <a:ext uri="{C183D7F6-B498-43B3-948B-1728B52AA6E4}">
+                <adec:decorative xmlns:adec="http://schemas.microsoft.com/office/drawing/2017/decorative" val="1"/>
+              </a:ext>
+            </a:extLst>
+          </p:cNvPr>
+          <p:cNvCxnSpPr>
+            <a:cxnSpLocks noGrp="1" noRot="1" noChangeAspect="1" noMove="1" noResize="1" noEditPoints="1" noAdjustHandles="1" noChangeArrowheads="1" noChangeShapeType="1"/>
+          </p:cNvCxnSpPr>
+          <p:nvPr>
+            <p:extLst>
+              <p:ext uri="{386F3935-93C4-4BCD-93E2-E3B085C9AB24}">
+                <p16:designElem xmlns:p16="http://schemas.microsoft.com/office/powerpoint/2015/main" val="1"/>
+              </p:ext>
+            </p:extLst>
+          </p:nvPr>
+        </p:nvCxnSpPr>
+        <p:spPr>
+          <a:xfrm>
+            <a:off x="2417780" y="3528542"/>
+            <a:ext cx="8637072" cy="0"/>
+          </a:xfrm>
+          <a:prstGeom prst="line">
+            <a:avLst/>
+          </a:prstGeom>
+          <a:ln w="31750"/>
+        </p:spPr>
+        <p:style>
+          <a:lnRef idx="3">
+            <a:schemeClr val="accent1"/>
+          </a:lnRef>
+          <a:fillRef idx="0">
+            <a:schemeClr val="accent1"/>
+          </a:fillRef>
+          <a:effectRef idx="2">
+            <a:schemeClr val="accent1"/>
+          </a:effectRef>
+          <a:fontRef idx="minor">
+            <a:schemeClr val="tx1"/>
+          </a:fontRef>
+        </p:style>
+      </p:cxnSp>
+      <p:sp useBgFill="1">
+        <p:nvSpPr>
+          <p:cNvPr id="18" name="Rectangle 17">
+            <a:extLst>
+              <a:ext uri="{FF2B5EF4-FFF2-40B4-BE49-F238E27FC236}">
+                <a16:creationId xmlns:a16="http://schemas.microsoft.com/office/drawing/2014/main" id="{2FA7AD0A-1871-4DF8-9235-F49D0513B9C1}"/>
+              </a:ext>
+              <a:ext uri="{C183D7F6-B498-43B3-948B-1728B52AA6E4}">
+                <adec:decorative xmlns:adec="http://schemas.microsoft.com/office/drawing/2017/decorative" val="1"/>
+              </a:ext>
+            </a:extLst>
+          </p:cNvPr>
+          <p:cNvSpPr>
+            <a:spLocks noGrp="1" noRot="1" noChangeAspect="1" noMove="1" noResize="1" noEditPoints="1" noAdjustHandles="1" noChangeArrowheads="1" noChangeShapeType="1" noTextEdit="1"/>
+          </p:cNvSpPr>
+          <p:nvPr>
+            <p:extLst>
+              <p:ext uri="{386F3935-93C4-4BCD-93E2-E3B085C9AB24}">
+                <p16:designElem xmlns:p16="http://schemas.microsoft.com/office/powerpoint/2015/main" val="1"/>
+              </p:ext>
+            </p:extLst>
+          </p:nvPr>
+        </p:nvSpPr>
+        <p:spPr>
+          <a:xfrm>
+            <a:off x="2" y="0"/>
+            <a:ext cx="12191695" cy="6858000"/>
+          </a:xfrm>
+          <a:prstGeom prst="rect">
+            <a:avLst/>
+          </a:prstGeom>
+          <a:ln>
+            <a:noFill/>
+          </a:ln>
+        </p:spPr>
+        <p:style>
+          <a:lnRef idx="2">
+            <a:schemeClr val="accent1">
+              <a:shade val="50000"/>
+            </a:schemeClr>
+          </a:lnRef>
+          <a:fillRef idx="1">
+            <a:schemeClr val="accent1"/>
+          </a:fillRef>
+          <a:effectRef idx="0">
+            <a:schemeClr val="accent1"/>
+          </a:effectRef>
+          <a:fontRef idx="minor">
+            <a:schemeClr val="lt1"/>
+          </a:fontRef>
+        </p:style>
+        <p:txBody>
+          <a:bodyPr rtlCol="0" anchor="ctr"/>
+          <a:lstStyle/>
+          <a:p>
+            <a:pPr algn="ctr"/>
+            <a:endParaRPr lang="en-US"/>
+          </a:p>
+        </p:txBody>
+      </p:sp>
+      <p:sp>
+        <p:nvSpPr>
+          <p:cNvPr id="20" name="Rectangle 19">
+            <a:extLst>
+              <a:ext uri="{FF2B5EF4-FFF2-40B4-BE49-F238E27FC236}">
+                <a16:creationId xmlns:a16="http://schemas.microsoft.com/office/drawing/2014/main" id="{36B04CFB-FAE5-47DD-9B3E-4E9BA7A89CC1}"/>
+              </a:ext>
+              <a:ext uri="{C183D7F6-B498-43B3-948B-1728B52AA6E4}">
+                <adec:decorative xmlns:adec="http://schemas.microsoft.com/office/drawing/2017/decorative" val="1"/>
+              </a:ext>
+            </a:extLst>
+          </p:cNvPr>
+          <p:cNvSpPr>
+            <a:spLocks noGrp="1" noRot="1" noChangeAspect="1" noMove="1" noResize="1" noEditPoints="1" noAdjustHandles="1" noChangeArrowheads="1" noChangeShapeType="1" noTextEdit="1"/>
+          </p:cNvSpPr>
+          <p:nvPr>
+            <p:extLst>
+              <p:ext uri="{386F3935-93C4-4BCD-93E2-E3B085C9AB24}">
+                <p16:designElem xmlns:p16="http://schemas.microsoft.com/office/powerpoint/2015/main" val="1"/>
+              </p:ext>
+            </p:extLst>
+          </p:nvPr>
+        </p:nvSpPr>
+        <p:spPr>
+          <a:xfrm>
+            <a:off x="0" y="2019476"/>
+            <a:ext cx="12192000" cy="4105941"/>
+          </a:xfrm>
+          <a:prstGeom prst="rect">
+            <a:avLst/>
+          </a:prstGeom>
+          <a:gradFill flip="none" rotWithShape="1">
+            <a:gsLst>
+              <a:gs pos="0">
+                <a:schemeClr val="bg2">
+                  <a:alpha val="0"/>
+                </a:schemeClr>
+              </a:gs>
+              <a:gs pos="100000">
+                <a:schemeClr val="bg2"/>
+              </a:gs>
+            </a:gsLst>
+            <a:lin ang="5400000" scaled="0"/>
+            <a:tileRect/>
+          </a:gradFill>
+          <a:ln>
+            <a:noFill/>
+          </a:ln>
+        </p:spPr>
+        <p:style>
+          <a:lnRef idx="2">
+            <a:schemeClr val="accent1">
+              <a:shade val="50000"/>
+            </a:schemeClr>
+          </a:lnRef>
+          <a:fillRef idx="1">
+            <a:schemeClr val="accent1"/>
+          </a:fillRef>
+          <a:effectRef idx="0">
+            <a:schemeClr val="accent1"/>
+          </a:effectRef>
+          <a:fontRef idx="minor">
+            <a:schemeClr val="lt1"/>
+          </a:fontRef>
+        </p:style>
+        <p:txBody>
+          <a:bodyPr rtlCol="0" anchor="ctr"/>
+          <a:lstStyle/>
+          <a:p>
+            <a:pPr lvl="0" algn="ctr"/>
+            <a:endParaRPr lang="en-US"/>
+          </a:p>
+        </p:txBody>
+      </p:sp>
+      <p:sp>
+        <p:nvSpPr>
           <p:cNvPr id="2" name="Title 1">
             <a:extLst>
               <a:ext uri="{FF2B5EF4-FFF2-40B4-BE49-F238E27FC236}">
@@ -4890,27 +6106,339 @@
         </p:nvSpPr>
         <p:spPr>
           <a:xfrm>
-            <a:off x="432143" y="381486"/>
-            <a:ext cx="8761413" cy="706964"/>
-          </a:xfrm>
-        </p:spPr>
-        <p:txBody>
-          <a:bodyPr/>
-          <a:lstStyle/>
-          <a:p>
-            <a:r>
-              <a:rPr lang="en-IN" dirty="0"/>
+            <a:off x="379916" y="1560240"/>
+            <a:ext cx="3845678" cy="1868760"/>
+          </a:xfrm>
+        </p:spPr>
+        <p:txBody>
+          <a:bodyPr vert="horz" lIns="91440" tIns="45720" rIns="91440" bIns="0" rtlCol="0" anchor="b">
+            <a:normAutofit/>
+          </a:bodyPr>
+          <a:lstStyle/>
+          <a:p>
+            <a:r>
+              <a:rPr lang="en-US" sz="3600" dirty="0"/>
               <a:t>Screen shots</a:t>
             </a:r>
+          </a:p>
+        </p:txBody>
+      </p:sp>
+      <p:cxnSp>
+        <p:nvCxnSpPr>
+          <p:cNvPr id="22" name="Straight Connector 21">
+            <a:extLst>
+              <a:ext uri="{FF2B5EF4-FFF2-40B4-BE49-F238E27FC236}">
+                <a16:creationId xmlns:a16="http://schemas.microsoft.com/office/drawing/2014/main" id="{EE68D41B-9286-479F-9AB7-678C8E348D71}"/>
+              </a:ext>
+              <a:ext uri="{C183D7F6-B498-43B3-948B-1728B52AA6E4}">
+                <adec:decorative xmlns:adec="http://schemas.microsoft.com/office/drawing/2017/decorative" val="1"/>
+              </a:ext>
+            </a:extLst>
+          </p:cNvPr>
+          <p:cNvCxnSpPr>
+            <a:cxnSpLocks noGrp="1" noRot="1" noChangeAspect="1" noMove="1" noResize="1" noEditPoints="1" noAdjustHandles="1" noChangeArrowheads="1" noChangeShapeType="1"/>
+          </p:cNvCxnSpPr>
+          <p:nvPr>
+            <p:extLst>
+              <p:ext uri="{386F3935-93C4-4BCD-93E2-E3B085C9AB24}">
+                <p16:designElem xmlns:p16="http://schemas.microsoft.com/office/powerpoint/2015/main" val="1"/>
+              </p:ext>
+            </p:extLst>
+          </p:nvPr>
+        </p:nvCxnSpPr>
+        <p:spPr>
+          <a:xfrm>
+            <a:off x="659301" y="3528543"/>
+            <a:ext cx="2823919" cy="0"/>
+          </a:xfrm>
+          <a:prstGeom prst="line">
+            <a:avLst/>
+          </a:prstGeom>
+          <a:ln w="31750"/>
+        </p:spPr>
+        <p:style>
+          <a:lnRef idx="3">
+            <a:schemeClr val="accent1"/>
+          </a:lnRef>
+          <a:fillRef idx="0">
+            <a:schemeClr val="accent1"/>
+          </a:fillRef>
+          <a:effectRef idx="2">
+            <a:schemeClr val="accent1"/>
+          </a:effectRef>
+          <a:fontRef idx="minor">
+            <a:schemeClr val="tx1"/>
+          </a:fontRef>
+        </p:style>
+      </p:cxnSp>
+      <p:grpSp>
+        <p:nvGrpSpPr>
+          <p:cNvPr id="24" name="Group 23">
+            <a:extLst>
+              <a:ext uri="{FF2B5EF4-FFF2-40B4-BE49-F238E27FC236}">
+                <a16:creationId xmlns:a16="http://schemas.microsoft.com/office/drawing/2014/main" id="{E8ACF89C-CFC3-4D68-B3C4-2BEFB7BBE5F7}"/>
+              </a:ext>
+              <a:ext uri="{C183D7F6-B498-43B3-948B-1728B52AA6E4}">
+                <adec:decorative xmlns:adec="http://schemas.microsoft.com/office/drawing/2017/decorative" val="1"/>
+              </a:ext>
+            </a:extLst>
+          </p:cNvPr>
+          <p:cNvGrpSpPr>
+            <a:grpSpLocks noGrp="1" noUngrp="1" noRot="1" noChangeAspect="1" noMove="1" noResize="1"/>
+          </p:cNvGrpSpPr>
+          <p:nvPr>
+            <p:extLst>
+              <p:ext uri="{386F3935-93C4-4BCD-93E2-E3B085C9AB24}">
+                <p16:designElem xmlns:p16="http://schemas.microsoft.com/office/powerpoint/2015/main" val="1"/>
+              </p:ext>
+            </p:extLst>
+          </p:nvPr>
+        </p:nvGrpSpPr>
+        <p:grpSpPr>
+          <a:xfrm>
+            <a:off x="3979389" y="482171"/>
+            <a:ext cx="7560115" cy="5149101"/>
+            <a:chOff x="3979389" y="482171"/>
+            <a:chExt cx="7560115" cy="5149101"/>
+          </a:xfrm>
+        </p:grpSpPr>
+        <p:sp>
+          <p:nvSpPr>
+            <p:cNvPr id="25" name="Rectangle 24">
+              <a:extLst>
+                <a:ext uri="{FF2B5EF4-FFF2-40B4-BE49-F238E27FC236}">
+                  <a16:creationId xmlns:a16="http://schemas.microsoft.com/office/drawing/2014/main" id="{3B770B7D-3C5C-4682-8DF0-20783592F3B6}"/>
+                </a:ext>
+                <a:ext uri="{C183D7F6-B498-43B3-948B-1728B52AA6E4}">
+                  <adec:decorative xmlns:adec="http://schemas.microsoft.com/office/drawing/2017/decorative" val="1"/>
+                </a:ext>
+              </a:extLst>
+            </p:cNvPr>
+            <p:cNvSpPr/>
+            <p:nvPr>
+              <p:extLst>
+                <p:ext uri="{386F3935-93C4-4BCD-93E2-E3B085C9AB24}">
+                  <p16:designElem xmlns:p16="http://schemas.microsoft.com/office/powerpoint/2015/main" val="1"/>
+                </p:ext>
+              </p:extLst>
+            </p:nvPr>
+          </p:nvSpPr>
+          <p:spPr>
+            <a:xfrm>
+              <a:off x="3979389" y="482171"/>
+              <a:ext cx="7560115" cy="5149101"/>
+            </a:xfrm>
+            <a:prstGeom prst="rect">
+              <a:avLst/>
+            </a:prstGeom>
+            <a:gradFill>
+              <a:gsLst>
+                <a:gs pos="0">
+                  <a:srgbClr val="000001"/>
+                </a:gs>
+                <a:gs pos="100000">
+                  <a:srgbClr val="191919"/>
+                </a:gs>
+              </a:gsLst>
+            </a:gradFill>
+            <a:ln w="76200" cmpd="sng">
+              <a:noFill/>
+              <a:miter lim="800000"/>
+            </a:ln>
+            <a:effectLst>
+              <a:outerShdw blurRad="127000" dist="228600" dir="4740000" sx="98000" sy="98000" algn="tl" rotWithShape="0">
+                <a:srgbClr val="000000">
+                  <a:alpha val="34000"/>
+                </a:srgbClr>
+              </a:outerShdw>
+            </a:effectLst>
+            <a:scene3d>
+              <a:camera prst="orthographicFront"/>
+              <a:lightRig rig="threePt" dir="t"/>
+            </a:scene3d>
+            <a:sp3d>
+              <a:bevelT w="152400" h="50800" prst="softRound"/>
+            </a:sp3d>
+          </p:spPr>
+          <p:style>
+            <a:lnRef idx="1">
+              <a:schemeClr val="accent1"/>
+            </a:lnRef>
+            <a:fillRef idx="3">
+              <a:schemeClr val="accent1"/>
+            </a:fillRef>
+            <a:effectRef idx="2">
+              <a:schemeClr val="accent1"/>
+            </a:effectRef>
+            <a:fontRef idx="minor">
+              <a:schemeClr val="lt1"/>
+            </a:fontRef>
+          </p:style>
+          <p:txBody>
+            <a:bodyPr rtlCol="0" anchor="ctr"/>
+            <a:lstStyle/>
+            <a:p>
+              <a:pPr algn="ctr"/>
+              <a:endParaRPr lang="en-US"/>
+            </a:p>
+          </p:txBody>
+        </p:sp>
+        <p:sp>
+          <p:nvSpPr>
+            <p:cNvPr id="26" name="Rectangle 25">
+              <a:extLst>
+                <a:ext uri="{FF2B5EF4-FFF2-40B4-BE49-F238E27FC236}">
+                  <a16:creationId xmlns:a16="http://schemas.microsoft.com/office/drawing/2014/main" id="{A6893E11-7EC1-4EB6-A2A8-0B693F8FE576}"/>
+                </a:ext>
+                <a:ext uri="{C183D7F6-B498-43B3-948B-1728B52AA6E4}">
+                  <adec:decorative xmlns:adec="http://schemas.microsoft.com/office/drawing/2017/decorative" val="1"/>
+                </a:ext>
+              </a:extLst>
+            </p:cNvPr>
+            <p:cNvSpPr/>
+            <p:nvPr>
+              <p:extLst>
+                <p:ext uri="{386F3935-93C4-4BCD-93E2-E3B085C9AB24}">
+                  <p16:designElem xmlns:p16="http://schemas.microsoft.com/office/powerpoint/2015/main" val="1"/>
+                </p:ext>
+              </p:extLst>
+            </p:nvPr>
+          </p:nvSpPr>
+          <p:spPr>
+            <a:xfrm>
+              <a:off x="4292448" y="812507"/>
+              <a:ext cx="6928279" cy="4466452"/>
+            </a:xfrm>
+            <a:prstGeom prst="rect">
+              <a:avLst/>
+            </a:prstGeom>
+            <a:gradFill>
+              <a:gsLst>
+                <a:gs pos="0">
+                  <a:srgbClr val="DADADA"/>
+                </a:gs>
+                <a:gs pos="100000">
+                  <a:srgbClr val="FFFFFE"/>
+                </a:gs>
+              </a:gsLst>
+              <a:lin ang="16200000" scaled="0"/>
+            </a:gradFill>
+            <a:ln w="50800" cmpd="sng">
+              <a:solidFill>
+                <a:srgbClr val="191919"/>
+              </a:solidFill>
+              <a:miter lim="800000"/>
+            </a:ln>
+            <a:effectLst>
+              <a:innerShdw blurRad="63500" dist="88900" dir="14100000">
+                <a:srgbClr val="000000">
+                  <a:alpha val="30000"/>
+                </a:srgbClr>
+              </a:innerShdw>
+            </a:effectLst>
+            <a:scene3d>
+              <a:camera prst="orthographicFront"/>
+              <a:lightRig rig="threePt" dir="t"/>
+            </a:scene3d>
+            <a:sp3d>
+              <a:bevelT prst="relaxedInset"/>
+            </a:sp3d>
+          </p:spPr>
+          <p:style>
+            <a:lnRef idx="1">
+              <a:schemeClr val="accent1"/>
+            </a:lnRef>
+            <a:fillRef idx="3">
+              <a:schemeClr val="accent1"/>
+            </a:fillRef>
+            <a:effectRef idx="2">
+              <a:schemeClr val="accent1"/>
+            </a:effectRef>
+            <a:fontRef idx="minor">
+              <a:schemeClr val="lt1"/>
+            </a:fontRef>
+          </p:style>
+          <p:txBody>
+            <a:bodyPr rtlCol="0" anchor="ctr"/>
+            <a:lstStyle/>
+            <a:p>
+              <a:pPr algn="ctr"/>
+              <a:endParaRPr lang="en-US"/>
+            </a:p>
+          </p:txBody>
+        </p:sp>
+      </p:grpSp>
+      <p:sp>
+        <p:nvSpPr>
+          <p:cNvPr id="28" name="Rectangle 27">
+            <a:extLst>
+              <a:ext uri="{FF2B5EF4-FFF2-40B4-BE49-F238E27FC236}">
+                <a16:creationId xmlns:a16="http://schemas.microsoft.com/office/drawing/2014/main" id="{622F7FD7-8884-4FD5-95AB-0B5C6033ADF7}"/>
+              </a:ext>
+              <a:ext uri="{C183D7F6-B498-43B3-948B-1728B52AA6E4}">
+                <adec:decorative xmlns:adec="http://schemas.microsoft.com/office/drawing/2017/decorative" val="1"/>
+              </a:ext>
+            </a:extLst>
+          </p:cNvPr>
+          <p:cNvSpPr>
+            <a:spLocks noGrp="1" noRot="1" noChangeAspect="1" noMove="1" noResize="1" noEditPoints="1" noAdjustHandles="1" noChangeArrowheads="1" noChangeShapeType="1" noTextEdit="1"/>
+          </p:cNvSpPr>
+          <p:nvPr>
+            <p:extLst>
+              <p:ext uri="{386F3935-93C4-4BCD-93E2-E3B085C9AB24}">
+                <p16:designElem xmlns:p16="http://schemas.microsoft.com/office/powerpoint/2015/main" val="1"/>
+              </p:ext>
+            </p:extLst>
+          </p:nvPr>
+        </p:nvSpPr>
+        <p:spPr>
+          <a:xfrm>
+            <a:off x="4455487" y="977965"/>
+            <a:ext cx="6615582" cy="4135339"/>
+          </a:xfrm>
+          <a:prstGeom prst="rect">
+            <a:avLst/>
+          </a:prstGeom>
+          <a:solidFill>
+            <a:schemeClr val="bg1"/>
+          </a:solidFill>
+          <a:ln w="6350">
+            <a:solidFill>
+              <a:schemeClr val="bg2"/>
+            </a:solidFill>
+          </a:ln>
+        </p:spPr>
+        <p:style>
+          <a:lnRef idx="2">
+            <a:schemeClr val="accent1">
+              <a:shade val="50000"/>
+            </a:schemeClr>
+          </a:lnRef>
+          <a:fillRef idx="1">
+            <a:schemeClr val="accent1"/>
+          </a:fillRef>
+          <a:effectRef idx="0">
+            <a:schemeClr val="accent1"/>
+          </a:effectRef>
+          <a:fontRef idx="minor">
+            <a:schemeClr val="lt1"/>
+          </a:fontRef>
+        </p:style>
+        <p:txBody>
+          <a:bodyPr rtlCol="0" anchor="ctr"/>
+          <a:lstStyle/>
+          <a:p>
+            <a:pPr algn="ctr"/>
+            <a:endParaRPr lang="en-US"/>
           </a:p>
         </p:txBody>
       </p:sp>
       <p:pic>
         <p:nvPicPr>
-          <p:cNvPr id="3" name="Picture 2">
+          <p:cNvPr id="5" name="Picture 4" descr="Graphical user interface, text, application, Teams&#10;&#10;Description automatically generated">
             <a:extLst>
               <a:ext uri="{FF2B5EF4-FFF2-40B4-BE49-F238E27FC236}">
-                <a16:creationId xmlns:a16="http://schemas.microsoft.com/office/drawing/2014/main" id="{777AF619-CC69-4F1D-868F-9BE425EC8782}"/>
+                <a16:creationId xmlns:a16="http://schemas.microsoft.com/office/drawing/2014/main" id="{DB172072-4352-BF45-A9CD-6A3A0281DE58}"/>
               </a:ext>
             </a:extLst>
           </p:cNvPr>
@@ -4920,21 +6448,119 @@
           <p:nvPr/>
         </p:nvPicPr>
         <p:blipFill>
-          <a:blip r:embed="rId2"/>
+          <a:blip r:embed="rId3"/>
           <a:stretch>
             <a:fillRect/>
           </a:stretch>
         </p:blipFill>
         <p:spPr>
           <a:xfrm>
-            <a:off x="1253803" y="1541404"/>
-            <a:ext cx="9065853" cy="4813009"/>
+            <a:off x="4246810" y="773257"/>
+            <a:ext cx="7019554" cy="4466451"/>
           </a:xfrm>
           <a:prstGeom prst="rect">
             <a:avLst/>
           </a:prstGeom>
         </p:spPr>
       </p:pic>
+      <p:pic>
+        <p:nvPicPr>
+          <p:cNvPr id="30" name="Picture 29">
+            <a:extLst>
+              <a:ext uri="{FF2B5EF4-FFF2-40B4-BE49-F238E27FC236}">
+                <a16:creationId xmlns:a16="http://schemas.microsoft.com/office/drawing/2014/main" id="{16EFE474-4FE0-4E8F-8F09-5ED2C9E76A84}"/>
+              </a:ext>
+              <a:ext uri="{C183D7F6-B498-43B3-948B-1728B52AA6E4}">
+                <adec:decorative xmlns:adec="http://schemas.microsoft.com/office/drawing/2017/decorative" val="1"/>
+              </a:ext>
+            </a:extLst>
+          </p:cNvPr>
+          <p:cNvPicPr>
+            <a:picLocks noGrp="1" noRot="1" noChangeAspect="1" noMove="1" noResize="1" noEditPoints="1" noAdjustHandles="1" noChangeArrowheads="1" noChangeShapeType="1" noCrop="1"/>
+          </p:cNvPicPr>
+          <p:nvPr>
+            <p:extLst>
+              <p:ext uri="{386F3935-93C4-4BCD-93E2-E3B085C9AB24}">
+                <p16:designElem xmlns:p16="http://schemas.microsoft.com/office/powerpoint/2015/main" val="1"/>
+              </p:ext>
+            </p:extLst>
+          </p:nvPr>
+        </p:nvPicPr>
+        <p:blipFill rotWithShape="1">
+          <a:blip r:embed="rId2">
+            <a:extLst>
+              <a:ext uri="{28A0092B-C50C-407E-A947-70E740481C1C}">
+                <a14:useLocalDpi xmlns:a14="http://schemas.microsoft.com/office/drawing/2010/main" val="0"/>
+              </a:ext>
+            </a:extLst>
+          </a:blip>
+          <a:srcRect t="1538" b="-1538"/>
+          <a:stretch/>
+        </p:blipFill>
+        <p:spPr bwMode="black">
+          <a:xfrm>
+            <a:off x="0" y="6126480"/>
+            <a:ext cx="12192000" cy="742950"/>
+          </a:xfrm>
+          <a:prstGeom prst="rect">
+            <a:avLst/>
+          </a:prstGeom>
+        </p:spPr>
+      </p:pic>
+      <p:cxnSp>
+        <p:nvCxnSpPr>
+          <p:cNvPr id="32" name="Straight Connector 31">
+            <a:extLst>
+              <a:ext uri="{FF2B5EF4-FFF2-40B4-BE49-F238E27FC236}">
+                <a16:creationId xmlns:a16="http://schemas.microsoft.com/office/drawing/2014/main" id="{CF8B8C81-54DC-4AF5-B682-3A2C70A6B55C}"/>
+              </a:ext>
+              <a:ext uri="{C183D7F6-B498-43B3-948B-1728B52AA6E4}">
+                <adec:decorative xmlns:adec="http://schemas.microsoft.com/office/drawing/2017/decorative" val="1"/>
+              </a:ext>
+            </a:extLst>
+          </p:cNvPr>
+          <p:cNvCxnSpPr>
+            <a:cxnSpLocks noGrp="1" noRot="1" noChangeAspect="1" noMove="1" noResize="1" noEditPoints="1" noAdjustHandles="1" noChangeArrowheads="1" noChangeShapeType="1"/>
+          </p:cNvCxnSpPr>
+          <p:nvPr>
+            <p:extLst>
+              <p:ext uri="{386F3935-93C4-4BCD-93E2-E3B085C9AB24}">
+                <p16:designElem xmlns:p16="http://schemas.microsoft.com/office/powerpoint/2015/main" val="1"/>
+              </p:ext>
+            </p:extLst>
+          </p:nvPr>
+        </p:nvCxnSpPr>
+        <p:spPr>
+          <a:xfrm>
+            <a:off x="0" y="6128413"/>
+            <a:ext cx="12192000" cy="0"/>
+          </a:xfrm>
+          <a:prstGeom prst="line">
+            <a:avLst/>
+          </a:prstGeom>
+          <a:ln w="12700">
+            <a:solidFill>
+              <a:srgbClr val="000001">
+                <a:alpha val="20000"/>
+              </a:srgbClr>
+            </a:solidFill>
+          </a:ln>
+        </p:spPr>
+        <p:style>
+          <a:lnRef idx="1">
+            <a:schemeClr val="accent1"/>
+          </a:lnRef>
+          <a:fillRef idx="0">
+            <a:schemeClr val="accent1"/>
+          </a:fillRef>
+          <a:effectRef idx="0">
+            <a:schemeClr val="accent1"/>
+          </a:effectRef>
+          <a:fontRef idx="minor">
+            <a:schemeClr val="tx1"/>
+          </a:fontRef>
+        </p:style>
+      </p:cxnSp>
     </p:spTree>
     <p:extLst>
       <p:ext uri="{BB962C8B-B14F-4D97-AF65-F5344CB8AC3E}">
@@ -4951,6 +6577,30 @@
 <file path=ppt/slides/slide19.xml><?xml version="1.0" encoding="utf-8"?>
 <p:sld xmlns:a="http://schemas.openxmlformats.org/drawingml/2006/main" xmlns:r="http://schemas.openxmlformats.org/officeDocument/2006/relationships" xmlns:p="http://schemas.openxmlformats.org/presentationml/2006/main">
   <p:cSld>
+    <p:bg>
+      <p:bgPr>
+        <a:gradFill rotWithShape="1">
+          <a:gsLst>
+            <a:gs pos="0">
+              <a:schemeClr val="bg2">
+                <a:tint val="94000"/>
+                <a:satMod val="80000"/>
+                <a:lumMod val="106000"/>
+              </a:schemeClr>
+            </a:gs>
+            <a:gs pos="100000">
+              <a:schemeClr val="bg2">
+                <a:shade val="80000"/>
+              </a:schemeClr>
+            </a:gs>
+          </a:gsLst>
+          <a:path path="circle">
+            <a:fillToRect l="43000" r="43000" b="100000"/>
+          </a:path>
+        </a:gradFill>
+        <a:effectLst/>
+      </p:bgPr>
+    </p:bg>
     <p:spTree>
       <p:nvGrpSpPr>
         <p:cNvPr id="1" name=""/>
@@ -4967,10 +6617,356 @@
       </p:grpSpPr>
       <p:sp>
         <p:nvSpPr>
+          <p:cNvPr id="8" name="Rectangle 7">
+            <a:extLst>
+              <a:ext uri="{FF2B5EF4-FFF2-40B4-BE49-F238E27FC236}">
+                <a16:creationId xmlns:a16="http://schemas.microsoft.com/office/drawing/2014/main" id="{0CABCAE3-64FC-4149-819F-2C1812824154}"/>
+              </a:ext>
+              <a:ext uri="{C183D7F6-B498-43B3-948B-1728B52AA6E4}">
+                <adec:decorative xmlns:adec="http://schemas.microsoft.com/office/drawing/2017/decorative" val="1"/>
+              </a:ext>
+            </a:extLst>
+          </p:cNvPr>
+          <p:cNvSpPr>
+            <a:spLocks noGrp="1" noRot="1" noChangeAspect="1" noMove="1" noResize="1" noEditPoints="1" noAdjustHandles="1" noChangeArrowheads="1" noChangeShapeType="1" noTextEdit="1"/>
+          </p:cNvSpPr>
+          <p:nvPr>
+            <p:extLst>
+              <p:ext uri="{386F3935-93C4-4BCD-93E2-E3B085C9AB24}">
+                <p16:designElem xmlns:p16="http://schemas.microsoft.com/office/powerpoint/2015/main" val="1"/>
+              </p:ext>
+            </p:extLst>
+          </p:nvPr>
+        </p:nvSpPr>
+        <p:spPr>
+          <a:xfrm>
+            <a:off x="0" y="2019476"/>
+            <a:ext cx="12192000" cy="4105941"/>
+          </a:xfrm>
+          <a:prstGeom prst="rect">
+            <a:avLst/>
+          </a:prstGeom>
+          <a:gradFill flip="none" rotWithShape="1">
+            <a:gsLst>
+              <a:gs pos="0">
+                <a:schemeClr val="bg2">
+                  <a:alpha val="0"/>
+                </a:schemeClr>
+              </a:gs>
+              <a:gs pos="100000">
+                <a:schemeClr val="bg2"/>
+              </a:gs>
+            </a:gsLst>
+            <a:lin ang="5400000" scaled="0"/>
+            <a:tileRect/>
+          </a:gradFill>
+          <a:ln>
+            <a:noFill/>
+          </a:ln>
+        </p:spPr>
+        <p:style>
+          <a:lnRef idx="2">
+            <a:schemeClr val="accent1">
+              <a:shade val="50000"/>
+            </a:schemeClr>
+          </a:lnRef>
+          <a:fillRef idx="1">
+            <a:schemeClr val="accent1"/>
+          </a:fillRef>
+          <a:effectRef idx="0">
+            <a:schemeClr val="accent1"/>
+          </a:effectRef>
+          <a:fontRef idx="minor">
+            <a:schemeClr val="lt1"/>
+          </a:fontRef>
+        </p:style>
+      </p:sp>
+      <p:pic>
+        <p:nvPicPr>
+          <p:cNvPr id="10" name="Picture 9">
+            <a:extLst>
+              <a:ext uri="{FF2B5EF4-FFF2-40B4-BE49-F238E27FC236}">
+                <a16:creationId xmlns:a16="http://schemas.microsoft.com/office/drawing/2014/main" id="{012FDCFE-9AD2-4D8A-8CBF-B3AA37EBF6DD}"/>
+              </a:ext>
+              <a:ext uri="{C183D7F6-B498-43B3-948B-1728B52AA6E4}">
+                <adec:decorative xmlns:adec="http://schemas.microsoft.com/office/drawing/2017/decorative" val="1"/>
+              </a:ext>
+            </a:extLst>
+          </p:cNvPr>
+          <p:cNvPicPr>
+            <a:picLocks noGrp="1" noRot="1" noChangeAspect="1" noMove="1" noResize="1" noEditPoints="1" noAdjustHandles="1" noChangeArrowheads="1" noChangeShapeType="1" noCrop="1"/>
+          </p:cNvPicPr>
+          <p:nvPr>
+            <p:extLst>
+              <p:ext uri="{386F3935-93C4-4BCD-93E2-E3B085C9AB24}">
+                <p16:designElem xmlns:p16="http://schemas.microsoft.com/office/powerpoint/2015/main" val="1"/>
+              </p:ext>
+            </p:extLst>
+          </p:nvPr>
+        </p:nvPicPr>
+        <p:blipFill rotWithShape="1">
+          <a:blip r:embed="rId2">
+            <a:extLst>
+              <a:ext uri="{28A0092B-C50C-407E-A947-70E740481C1C}">
+                <a14:useLocalDpi xmlns:a14="http://schemas.microsoft.com/office/drawing/2010/main" val="0"/>
+              </a:ext>
+            </a:extLst>
+          </a:blip>
+          <a:srcRect t="1538" b="-1538"/>
+          <a:stretch/>
+        </p:blipFill>
+        <p:spPr bwMode="black">
+          <a:xfrm>
+            <a:off x="0" y="6126480"/>
+            <a:ext cx="12192000" cy="742950"/>
+          </a:xfrm>
+          <a:prstGeom prst="rect">
+            <a:avLst/>
+          </a:prstGeom>
+        </p:spPr>
+      </p:pic>
+      <p:cxnSp>
+        <p:nvCxnSpPr>
+          <p:cNvPr id="12" name="Straight Connector 11">
+            <a:extLst>
+              <a:ext uri="{FF2B5EF4-FFF2-40B4-BE49-F238E27FC236}">
+                <a16:creationId xmlns:a16="http://schemas.microsoft.com/office/drawing/2014/main" id="{FBD463FC-4CA8-4FF4-85A3-AF9F4B98D210}"/>
+              </a:ext>
+              <a:ext uri="{C183D7F6-B498-43B3-948B-1728B52AA6E4}">
+                <adec:decorative xmlns:adec="http://schemas.microsoft.com/office/drawing/2017/decorative" val="1"/>
+              </a:ext>
+            </a:extLst>
+          </p:cNvPr>
+          <p:cNvCxnSpPr>
+            <a:cxnSpLocks noGrp="1" noRot="1" noChangeAspect="1" noMove="1" noResize="1" noEditPoints="1" noAdjustHandles="1" noChangeArrowheads="1" noChangeShapeType="1"/>
+          </p:cNvCxnSpPr>
+          <p:nvPr>
+            <p:extLst>
+              <p:ext uri="{386F3935-93C4-4BCD-93E2-E3B085C9AB24}">
+                <p16:designElem xmlns:p16="http://schemas.microsoft.com/office/powerpoint/2015/main" val="1"/>
+              </p:ext>
+            </p:extLst>
+          </p:nvPr>
+        </p:nvCxnSpPr>
+        <p:spPr>
+          <a:xfrm>
+            <a:off x="0" y="6128413"/>
+            <a:ext cx="12192000" cy="0"/>
+          </a:xfrm>
+          <a:prstGeom prst="line">
+            <a:avLst/>
+          </a:prstGeom>
+          <a:ln w="12700">
+            <a:solidFill>
+              <a:srgbClr val="000001">
+                <a:alpha val="20000"/>
+              </a:srgbClr>
+            </a:solidFill>
+          </a:ln>
+        </p:spPr>
+        <p:style>
+          <a:lnRef idx="1">
+            <a:schemeClr val="accent1"/>
+          </a:lnRef>
+          <a:fillRef idx="0">
+            <a:schemeClr val="accent1"/>
+          </a:fillRef>
+          <a:effectRef idx="0">
+            <a:schemeClr val="accent1"/>
+          </a:effectRef>
+          <a:fontRef idx="minor">
+            <a:schemeClr val="tx1"/>
+          </a:fontRef>
+        </p:style>
+      </p:cxnSp>
+      <p:cxnSp>
+        <p:nvCxnSpPr>
+          <p:cNvPr id="14" name="Straight Connector 13">
+            <a:extLst>
+              <a:ext uri="{FF2B5EF4-FFF2-40B4-BE49-F238E27FC236}">
+                <a16:creationId xmlns:a16="http://schemas.microsoft.com/office/drawing/2014/main" id="{BECF35C3-8B44-4F4B-BD25-4C01823DB22A}"/>
+              </a:ext>
+              <a:ext uri="{C183D7F6-B498-43B3-948B-1728B52AA6E4}">
+                <adec:decorative xmlns:adec="http://schemas.microsoft.com/office/drawing/2017/decorative" val="1"/>
+              </a:ext>
+            </a:extLst>
+          </p:cNvPr>
+          <p:cNvCxnSpPr>
+            <a:cxnSpLocks noGrp="1" noRot="1" noChangeAspect="1" noMove="1" noResize="1" noEditPoints="1" noAdjustHandles="1" noChangeArrowheads="1" noChangeShapeType="1"/>
+          </p:cNvCxnSpPr>
+          <p:nvPr>
+            <p:extLst>
+              <p:ext uri="{386F3935-93C4-4BCD-93E2-E3B085C9AB24}">
+                <p16:designElem xmlns:p16="http://schemas.microsoft.com/office/powerpoint/2015/main" val="1"/>
+              </p:ext>
+            </p:extLst>
+          </p:nvPr>
+        </p:nvCxnSpPr>
+        <p:spPr>
+          <a:xfrm>
+            <a:off x="2417780" y="3528542"/>
+            <a:ext cx="8637072" cy="0"/>
+          </a:xfrm>
+          <a:prstGeom prst="line">
+            <a:avLst/>
+          </a:prstGeom>
+          <a:ln w="31750"/>
+        </p:spPr>
+        <p:style>
+          <a:lnRef idx="3">
+            <a:schemeClr val="accent1"/>
+          </a:lnRef>
+          <a:fillRef idx="0">
+            <a:schemeClr val="accent1"/>
+          </a:fillRef>
+          <a:effectRef idx="2">
+            <a:schemeClr val="accent1"/>
+          </a:effectRef>
+          <a:fontRef idx="minor">
+            <a:schemeClr val="tx1"/>
+          </a:fontRef>
+        </p:style>
+      </p:cxnSp>
+      <p:sp useBgFill="1">
+        <p:nvSpPr>
+          <p:cNvPr id="16" name="Rectangle 15">
+            <a:extLst>
+              <a:ext uri="{FF2B5EF4-FFF2-40B4-BE49-F238E27FC236}">
+                <a16:creationId xmlns:a16="http://schemas.microsoft.com/office/drawing/2014/main" id="{2FA7AD0A-1871-4DF8-9235-F49D0513B9C1}"/>
+              </a:ext>
+              <a:ext uri="{C183D7F6-B498-43B3-948B-1728B52AA6E4}">
+                <adec:decorative xmlns:adec="http://schemas.microsoft.com/office/drawing/2017/decorative" val="1"/>
+              </a:ext>
+            </a:extLst>
+          </p:cNvPr>
+          <p:cNvSpPr>
+            <a:spLocks noGrp="1" noRot="1" noChangeAspect="1" noMove="1" noResize="1" noEditPoints="1" noAdjustHandles="1" noChangeArrowheads="1" noChangeShapeType="1" noTextEdit="1"/>
+          </p:cNvSpPr>
+          <p:nvPr>
+            <p:extLst>
+              <p:ext uri="{386F3935-93C4-4BCD-93E2-E3B085C9AB24}">
+                <p16:designElem xmlns:p16="http://schemas.microsoft.com/office/powerpoint/2015/main" val="1"/>
+              </p:ext>
+            </p:extLst>
+          </p:nvPr>
+        </p:nvSpPr>
+        <p:spPr>
+          <a:xfrm>
+            <a:off x="2" y="0"/>
+            <a:ext cx="12191695" cy="6858000"/>
+          </a:xfrm>
+          <a:prstGeom prst="rect">
+            <a:avLst/>
+          </a:prstGeom>
+          <a:ln>
+            <a:noFill/>
+          </a:ln>
+        </p:spPr>
+        <p:style>
+          <a:lnRef idx="2">
+            <a:schemeClr val="accent1">
+              <a:shade val="50000"/>
+            </a:schemeClr>
+          </a:lnRef>
+          <a:fillRef idx="1">
+            <a:schemeClr val="accent1"/>
+          </a:fillRef>
+          <a:effectRef idx="0">
+            <a:schemeClr val="accent1"/>
+          </a:effectRef>
+          <a:fontRef idx="minor">
+            <a:schemeClr val="lt1"/>
+          </a:fontRef>
+        </p:style>
+        <p:txBody>
+          <a:bodyPr rtlCol="0" anchor="ctr"/>
+          <a:lstStyle/>
+          <a:p>
+            <a:pPr algn="ctr"/>
+            <a:endParaRPr lang="en-US"/>
+          </a:p>
+        </p:txBody>
+      </p:sp>
+      <p:sp>
+        <p:nvSpPr>
+          <p:cNvPr id="18" name="Rectangle 17">
+            <a:extLst>
+              <a:ext uri="{FF2B5EF4-FFF2-40B4-BE49-F238E27FC236}">
+                <a16:creationId xmlns:a16="http://schemas.microsoft.com/office/drawing/2014/main" id="{36B04CFB-FAE5-47DD-9B3E-4E9BA7A89CC1}"/>
+              </a:ext>
+              <a:ext uri="{C183D7F6-B498-43B3-948B-1728B52AA6E4}">
+                <adec:decorative xmlns:adec="http://schemas.microsoft.com/office/drawing/2017/decorative" val="1"/>
+              </a:ext>
+            </a:extLst>
+          </p:cNvPr>
+          <p:cNvSpPr>
+            <a:spLocks noGrp="1" noRot="1" noChangeAspect="1" noMove="1" noResize="1" noEditPoints="1" noAdjustHandles="1" noChangeArrowheads="1" noChangeShapeType="1" noTextEdit="1"/>
+          </p:cNvSpPr>
+          <p:nvPr>
+            <p:extLst>
+              <p:ext uri="{386F3935-93C4-4BCD-93E2-E3B085C9AB24}">
+                <p16:designElem xmlns:p16="http://schemas.microsoft.com/office/powerpoint/2015/main" val="1"/>
+              </p:ext>
+            </p:extLst>
+          </p:nvPr>
+        </p:nvSpPr>
+        <p:spPr>
+          <a:xfrm>
+            <a:off x="0" y="2019476"/>
+            <a:ext cx="12192000" cy="4105941"/>
+          </a:xfrm>
+          <a:prstGeom prst="rect">
+            <a:avLst/>
+          </a:prstGeom>
+          <a:gradFill flip="none" rotWithShape="1">
+            <a:gsLst>
+              <a:gs pos="0">
+                <a:schemeClr val="bg2">
+                  <a:alpha val="0"/>
+                </a:schemeClr>
+              </a:gs>
+              <a:gs pos="100000">
+                <a:schemeClr val="bg2"/>
+              </a:gs>
+            </a:gsLst>
+            <a:lin ang="5400000" scaled="0"/>
+            <a:tileRect/>
+          </a:gradFill>
+          <a:ln>
+            <a:noFill/>
+          </a:ln>
+        </p:spPr>
+        <p:style>
+          <a:lnRef idx="2">
+            <a:schemeClr val="accent1">
+              <a:shade val="50000"/>
+            </a:schemeClr>
+          </a:lnRef>
+          <a:fillRef idx="1">
+            <a:schemeClr val="accent1"/>
+          </a:fillRef>
+          <a:effectRef idx="0">
+            <a:schemeClr val="accent1"/>
+          </a:effectRef>
+          <a:fontRef idx="minor">
+            <a:schemeClr val="lt1"/>
+          </a:fontRef>
+        </p:style>
+        <p:txBody>
+          <a:bodyPr rtlCol="0" anchor="ctr"/>
+          <a:lstStyle/>
+          <a:p>
+            <a:pPr lvl="0" algn="ctr"/>
+            <a:endParaRPr lang="en-US"/>
+          </a:p>
+        </p:txBody>
+      </p:sp>
+      <p:sp>
+        <p:nvSpPr>
           <p:cNvPr id="2" name="Title 1">
             <a:extLst>
               <a:ext uri="{FF2B5EF4-FFF2-40B4-BE49-F238E27FC236}">
-                <a16:creationId xmlns:a16="http://schemas.microsoft.com/office/drawing/2014/main" id="{DDAF064C-B834-40C1-A65E-FA4592C29177}"/>
+                <a16:creationId xmlns:a16="http://schemas.microsoft.com/office/drawing/2014/main" id="{62F52B1F-C287-F645-A25A-644F18D8C80B}"/>
               </a:ext>
             </a:extLst>
           </p:cNvPr>
@@ -4981,49 +6977,467 @@
             <p:ph type="title"/>
           </p:nvPr>
         </p:nvSpPr>
-        <p:spPr/>
-        <p:txBody>
-          <a:bodyPr/>
-          <a:lstStyle/>
-          <a:p>
-            <a:r>
-              <a:rPr lang="en-IN" dirty="0"/>
-              <a:t>Learning &amp; Experiences</a:t>
-            </a:r>
-          </a:p>
-        </p:txBody>
-      </p:sp>
-      <p:sp>
-        <p:nvSpPr>
-          <p:cNvPr id="3" name="Text Placeholder 2">
+        <p:spPr>
+          <a:xfrm>
+            <a:off x="414075" y="1460697"/>
+            <a:ext cx="3314370" cy="1868760"/>
+          </a:xfrm>
+        </p:spPr>
+        <p:txBody>
+          <a:bodyPr vert="horz" lIns="91440" tIns="45720" rIns="91440" bIns="0" rtlCol="0" anchor="b">
+            <a:normAutofit/>
+          </a:bodyPr>
+          <a:lstStyle/>
+          <a:p>
+            <a:r>
+              <a:rPr lang="en-US" sz="3600" dirty="0"/>
+              <a:t>Screen shots</a:t>
+            </a:r>
+          </a:p>
+        </p:txBody>
+      </p:sp>
+      <p:cxnSp>
+        <p:nvCxnSpPr>
+          <p:cNvPr id="20" name="Straight Connector 19">
             <a:extLst>
               <a:ext uri="{FF2B5EF4-FFF2-40B4-BE49-F238E27FC236}">
-                <a16:creationId xmlns:a16="http://schemas.microsoft.com/office/drawing/2014/main" id="{08F65B3E-E650-499A-892B-D4F14BA272BB}"/>
+                <a16:creationId xmlns:a16="http://schemas.microsoft.com/office/drawing/2014/main" id="{EE68D41B-9286-479F-9AB7-678C8E348D71}"/>
+              </a:ext>
+              <a:ext uri="{C183D7F6-B498-43B3-948B-1728B52AA6E4}">
+                <adec:decorative xmlns:adec="http://schemas.microsoft.com/office/drawing/2017/decorative" val="1"/>
               </a:ext>
             </a:extLst>
           </p:cNvPr>
-          <p:cNvSpPr>
-            <a:spLocks noGrp="1"/>
-          </p:cNvSpPr>
-          <p:nvPr>
-            <p:ph type="body" idx="1"/>
-          </p:nvPr>
-        </p:nvSpPr>
-        <p:spPr/>
-        <p:txBody>
-          <a:bodyPr>
-            <a:normAutofit/>
-          </a:bodyPr>
-          <a:lstStyle/>
-          <a:p>
-            <a:endParaRPr lang="en-IN" dirty="0"/>
-          </a:p>
-        </p:txBody>
-      </p:sp>
+          <p:cNvCxnSpPr>
+            <a:cxnSpLocks noGrp="1" noRot="1" noChangeAspect="1" noMove="1" noResize="1" noEditPoints="1" noAdjustHandles="1" noChangeArrowheads="1" noChangeShapeType="1"/>
+          </p:cNvCxnSpPr>
+          <p:nvPr>
+            <p:extLst>
+              <p:ext uri="{386F3935-93C4-4BCD-93E2-E3B085C9AB24}">
+                <p16:designElem xmlns:p16="http://schemas.microsoft.com/office/powerpoint/2015/main" val="1"/>
+              </p:ext>
+            </p:extLst>
+          </p:nvPr>
+        </p:nvCxnSpPr>
+        <p:spPr>
+          <a:xfrm>
+            <a:off x="659301" y="3528543"/>
+            <a:ext cx="2823919" cy="0"/>
+          </a:xfrm>
+          <a:prstGeom prst="line">
+            <a:avLst/>
+          </a:prstGeom>
+          <a:ln w="31750"/>
+        </p:spPr>
+        <p:style>
+          <a:lnRef idx="3">
+            <a:schemeClr val="accent1"/>
+          </a:lnRef>
+          <a:fillRef idx="0">
+            <a:schemeClr val="accent1"/>
+          </a:fillRef>
+          <a:effectRef idx="2">
+            <a:schemeClr val="accent1"/>
+          </a:effectRef>
+          <a:fontRef idx="minor">
+            <a:schemeClr val="tx1"/>
+          </a:fontRef>
+        </p:style>
+      </p:cxnSp>
+      <p:grpSp>
+        <p:nvGrpSpPr>
+          <p:cNvPr id="22" name="Group 21">
+            <a:extLst>
+              <a:ext uri="{FF2B5EF4-FFF2-40B4-BE49-F238E27FC236}">
+                <a16:creationId xmlns:a16="http://schemas.microsoft.com/office/drawing/2014/main" id="{E8ACF89C-CFC3-4D68-B3C4-2BEFB7BBE5F7}"/>
+              </a:ext>
+              <a:ext uri="{C183D7F6-B498-43B3-948B-1728B52AA6E4}">
+                <adec:decorative xmlns:adec="http://schemas.microsoft.com/office/drawing/2017/decorative" val="1"/>
+              </a:ext>
+            </a:extLst>
+          </p:cNvPr>
+          <p:cNvGrpSpPr>
+            <a:grpSpLocks noGrp="1" noUngrp="1" noRot="1" noChangeAspect="1" noMove="1" noResize="1"/>
+          </p:cNvGrpSpPr>
+          <p:nvPr>
+            <p:extLst>
+              <p:ext uri="{386F3935-93C4-4BCD-93E2-E3B085C9AB24}">
+                <p16:designElem xmlns:p16="http://schemas.microsoft.com/office/powerpoint/2015/main" val="1"/>
+              </p:ext>
+            </p:extLst>
+          </p:nvPr>
+        </p:nvGrpSpPr>
+        <p:grpSpPr>
+          <a:xfrm>
+            <a:off x="3979389" y="482171"/>
+            <a:ext cx="7560115" cy="5149101"/>
+            <a:chOff x="3979389" y="482171"/>
+            <a:chExt cx="7560115" cy="5149101"/>
+          </a:xfrm>
+        </p:grpSpPr>
+        <p:sp>
+          <p:nvSpPr>
+            <p:cNvPr id="23" name="Rectangle 22">
+              <a:extLst>
+                <a:ext uri="{FF2B5EF4-FFF2-40B4-BE49-F238E27FC236}">
+                  <a16:creationId xmlns:a16="http://schemas.microsoft.com/office/drawing/2014/main" id="{3B770B7D-3C5C-4682-8DF0-20783592F3B6}"/>
+                </a:ext>
+                <a:ext uri="{C183D7F6-B498-43B3-948B-1728B52AA6E4}">
+                  <adec:decorative xmlns:adec="http://schemas.microsoft.com/office/drawing/2017/decorative" val="1"/>
+                </a:ext>
+              </a:extLst>
+            </p:cNvPr>
+            <p:cNvSpPr/>
+            <p:nvPr>
+              <p:extLst>
+                <p:ext uri="{386F3935-93C4-4BCD-93E2-E3B085C9AB24}">
+                  <p16:designElem xmlns:p16="http://schemas.microsoft.com/office/powerpoint/2015/main" val="1"/>
+                </p:ext>
+              </p:extLst>
+            </p:nvPr>
+          </p:nvSpPr>
+          <p:spPr>
+            <a:xfrm>
+              <a:off x="3979389" y="482171"/>
+              <a:ext cx="7560115" cy="5149101"/>
+            </a:xfrm>
+            <a:prstGeom prst="rect">
+              <a:avLst/>
+            </a:prstGeom>
+            <a:gradFill>
+              <a:gsLst>
+                <a:gs pos="0">
+                  <a:srgbClr val="000001"/>
+                </a:gs>
+                <a:gs pos="100000">
+                  <a:srgbClr val="191919"/>
+                </a:gs>
+              </a:gsLst>
+            </a:gradFill>
+            <a:ln w="76200" cmpd="sng">
+              <a:noFill/>
+              <a:miter lim="800000"/>
+            </a:ln>
+            <a:effectLst>
+              <a:outerShdw blurRad="127000" dist="228600" dir="4740000" sx="98000" sy="98000" algn="tl" rotWithShape="0">
+                <a:srgbClr val="000000">
+                  <a:alpha val="34000"/>
+                </a:srgbClr>
+              </a:outerShdw>
+            </a:effectLst>
+            <a:scene3d>
+              <a:camera prst="orthographicFront"/>
+              <a:lightRig rig="threePt" dir="t"/>
+            </a:scene3d>
+            <a:sp3d>
+              <a:bevelT w="152400" h="50800" prst="softRound"/>
+            </a:sp3d>
+          </p:spPr>
+          <p:style>
+            <a:lnRef idx="1">
+              <a:schemeClr val="accent1"/>
+            </a:lnRef>
+            <a:fillRef idx="3">
+              <a:schemeClr val="accent1"/>
+            </a:fillRef>
+            <a:effectRef idx="2">
+              <a:schemeClr val="accent1"/>
+            </a:effectRef>
+            <a:fontRef idx="minor">
+              <a:schemeClr val="lt1"/>
+            </a:fontRef>
+          </p:style>
+          <p:txBody>
+            <a:bodyPr rtlCol="0" anchor="ctr"/>
+            <a:lstStyle/>
+            <a:p>
+              <a:pPr algn="ctr"/>
+              <a:endParaRPr lang="en-US"/>
+            </a:p>
+          </p:txBody>
+        </p:sp>
+        <p:sp>
+          <p:nvSpPr>
+            <p:cNvPr id="24" name="Rectangle 23">
+              <a:extLst>
+                <a:ext uri="{FF2B5EF4-FFF2-40B4-BE49-F238E27FC236}">
+                  <a16:creationId xmlns:a16="http://schemas.microsoft.com/office/drawing/2014/main" id="{A6893E11-7EC1-4EB6-A2A8-0B693F8FE576}"/>
+                </a:ext>
+                <a:ext uri="{C183D7F6-B498-43B3-948B-1728B52AA6E4}">
+                  <adec:decorative xmlns:adec="http://schemas.microsoft.com/office/drawing/2017/decorative" val="1"/>
+                </a:ext>
+              </a:extLst>
+            </p:cNvPr>
+            <p:cNvSpPr/>
+            <p:nvPr>
+              <p:extLst>
+                <p:ext uri="{386F3935-93C4-4BCD-93E2-E3B085C9AB24}">
+                  <p16:designElem xmlns:p16="http://schemas.microsoft.com/office/powerpoint/2015/main" val="1"/>
+                </p:ext>
+              </p:extLst>
+            </p:nvPr>
+          </p:nvSpPr>
+          <p:spPr>
+            <a:xfrm>
+              <a:off x="4292448" y="812507"/>
+              <a:ext cx="6928279" cy="4466452"/>
+            </a:xfrm>
+            <a:prstGeom prst="rect">
+              <a:avLst/>
+            </a:prstGeom>
+            <a:gradFill>
+              <a:gsLst>
+                <a:gs pos="0">
+                  <a:srgbClr val="DADADA"/>
+                </a:gs>
+                <a:gs pos="100000">
+                  <a:srgbClr val="FFFFFE"/>
+                </a:gs>
+              </a:gsLst>
+              <a:lin ang="16200000" scaled="0"/>
+            </a:gradFill>
+            <a:ln w="50800" cmpd="sng">
+              <a:solidFill>
+                <a:srgbClr val="191919"/>
+              </a:solidFill>
+              <a:miter lim="800000"/>
+            </a:ln>
+            <a:effectLst>
+              <a:innerShdw blurRad="63500" dist="88900" dir="14100000">
+                <a:srgbClr val="000000">
+                  <a:alpha val="30000"/>
+                </a:srgbClr>
+              </a:innerShdw>
+            </a:effectLst>
+            <a:scene3d>
+              <a:camera prst="orthographicFront"/>
+              <a:lightRig rig="threePt" dir="t"/>
+            </a:scene3d>
+            <a:sp3d>
+              <a:bevelT prst="relaxedInset"/>
+            </a:sp3d>
+          </p:spPr>
+          <p:style>
+            <a:lnRef idx="1">
+              <a:schemeClr val="accent1"/>
+            </a:lnRef>
+            <a:fillRef idx="3">
+              <a:schemeClr val="accent1"/>
+            </a:fillRef>
+            <a:effectRef idx="2">
+              <a:schemeClr val="accent1"/>
+            </a:effectRef>
+            <a:fontRef idx="minor">
+              <a:schemeClr val="lt1"/>
+            </a:fontRef>
+          </p:style>
+          <p:txBody>
+            <a:bodyPr rtlCol="0" anchor="ctr"/>
+            <a:lstStyle/>
+            <a:p>
+              <a:pPr algn="ctr"/>
+              <a:endParaRPr lang="en-US"/>
+            </a:p>
+          </p:txBody>
+        </p:sp>
+      </p:grpSp>
+      <p:sp>
+        <p:nvSpPr>
+          <p:cNvPr id="26" name="Rectangle 25">
+            <a:extLst>
+              <a:ext uri="{FF2B5EF4-FFF2-40B4-BE49-F238E27FC236}">
+                <a16:creationId xmlns:a16="http://schemas.microsoft.com/office/drawing/2014/main" id="{622F7FD7-8884-4FD5-95AB-0B5C6033ADF7}"/>
+              </a:ext>
+              <a:ext uri="{C183D7F6-B498-43B3-948B-1728B52AA6E4}">
+                <adec:decorative xmlns:adec="http://schemas.microsoft.com/office/drawing/2017/decorative" val="1"/>
+              </a:ext>
+            </a:extLst>
+          </p:cNvPr>
+          <p:cNvSpPr>
+            <a:spLocks noGrp="1" noRot="1" noChangeAspect="1" noMove="1" noResize="1" noEditPoints="1" noAdjustHandles="1" noChangeArrowheads="1" noChangeShapeType="1" noTextEdit="1"/>
+          </p:cNvSpPr>
+          <p:nvPr>
+            <p:extLst>
+              <p:ext uri="{386F3935-93C4-4BCD-93E2-E3B085C9AB24}">
+                <p16:designElem xmlns:p16="http://schemas.microsoft.com/office/powerpoint/2015/main" val="1"/>
+              </p:ext>
+            </p:extLst>
+          </p:nvPr>
+        </p:nvSpPr>
+        <p:spPr>
+          <a:xfrm>
+            <a:off x="4455487" y="977965"/>
+            <a:ext cx="6615582" cy="4135339"/>
+          </a:xfrm>
+          <a:prstGeom prst="rect">
+            <a:avLst/>
+          </a:prstGeom>
+          <a:solidFill>
+            <a:schemeClr val="bg1"/>
+          </a:solidFill>
+          <a:ln w="6350">
+            <a:solidFill>
+              <a:schemeClr val="bg2"/>
+            </a:solidFill>
+          </a:ln>
+        </p:spPr>
+        <p:style>
+          <a:lnRef idx="2">
+            <a:schemeClr val="accent1">
+              <a:shade val="50000"/>
+            </a:schemeClr>
+          </a:lnRef>
+          <a:fillRef idx="1">
+            <a:schemeClr val="accent1"/>
+          </a:fillRef>
+          <a:effectRef idx="0">
+            <a:schemeClr val="accent1"/>
+          </a:effectRef>
+          <a:fontRef idx="minor">
+            <a:schemeClr val="lt1"/>
+          </a:fontRef>
+        </p:style>
+        <p:txBody>
+          <a:bodyPr rtlCol="0" anchor="ctr"/>
+          <a:lstStyle/>
+          <a:p>
+            <a:pPr algn="ctr"/>
+            <a:endParaRPr lang="en-US"/>
+          </a:p>
+        </p:txBody>
+      </p:sp>
+      <p:pic>
+        <p:nvPicPr>
+          <p:cNvPr id="3" name="Picture 2">
+            <a:extLst>
+              <a:ext uri="{FF2B5EF4-FFF2-40B4-BE49-F238E27FC236}">
+                <a16:creationId xmlns:a16="http://schemas.microsoft.com/office/drawing/2014/main" id="{30B3E0C4-186C-9748-B18B-51EAB88B19E0}"/>
+              </a:ext>
+            </a:extLst>
+          </p:cNvPr>
+          <p:cNvPicPr>
+            <a:picLocks noChangeAspect="1"/>
+          </p:cNvPicPr>
+          <p:nvPr/>
+        </p:nvPicPr>
+        <p:blipFill>
+          <a:blip r:embed="rId3"/>
+          <a:stretch>
+            <a:fillRect/>
+          </a:stretch>
+        </p:blipFill>
+        <p:spPr>
+          <a:xfrm>
+            <a:off x="4285962" y="801076"/>
+            <a:ext cx="6928279" cy="4466451"/>
+          </a:xfrm>
+          <a:prstGeom prst="rect">
+            <a:avLst/>
+          </a:prstGeom>
+        </p:spPr>
+      </p:pic>
+      <p:pic>
+        <p:nvPicPr>
+          <p:cNvPr id="28" name="Picture 27">
+            <a:extLst>
+              <a:ext uri="{FF2B5EF4-FFF2-40B4-BE49-F238E27FC236}">
+                <a16:creationId xmlns:a16="http://schemas.microsoft.com/office/drawing/2014/main" id="{16EFE474-4FE0-4E8F-8F09-5ED2C9E76A84}"/>
+              </a:ext>
+              <a:ext uri="{C183D7F6-B498-43B3-948B-1728B52AA6E4}">
+                <adec:decorative xmlns:adec="http://schemas.microsoft.com/office/drawing/2017/decorative" val="1"/>
+              </a:ext>
+            </a:extLst>
+          </p:cNvPr>
+          <p:cNvPicPr>
+            <a:picLocks noGrp="1" noRot="1" noChangeAspect="1" noMove="1" noResize="1" noEditPoints="1" noAdjustHandles="1" noChangeArrowheads="1" noChangeShapeType="1" noCrop="1"/>
+          </p:cNvPicPr>
+          <p:nvPr>
+            <p:extLst>
+              <p:ext uri="{386F3935-93C4-4BCD-93E2-E3B085C9AB24}">
+                <p16:designElem xmlns:p16="http://schemas.microsoft.com/office/powerpoint/2015/main" val="1"/>
+              </p:ext>
+            </p:extLst>
+          </p:nvPr>
+        </p:nvPicPr>
+        <p:blipFill rotWithShape="1">
+          <a:blip r:embed="rId2">
+            <a:extLst>
+              <a:ext uri="{28A0092B-C50C-407E-A947-70E740481C1C}">
+                <a14:useLocalDpi xmlns:a14="http://schemas.microsoft.com/office/drawing/2010/main" val="0"/>
+              </a:ext>
+            </a:extLst>
+          </a:blip>
+          <a:srcRect t="1538" b="-1538"/>
+          <a:stretch/>
+        </p:blipFill>
+        <p:spPr bwMode="black">
+          <a:xfrm>
+            <a:off x="0" y="6126480"/>
+            <a:ext cx="12192000" cy="742950"/>
+          </a:xfrm>
+          <a:prstGeom prst="rect">
+            <a:avLst/>
+          </a:prstGeom>
+        </p:spPr>
+      </p:pic>
+      <p:cxnSp>
+        <p:nvCxnSpPr>
+          <p:cNvPr id="30" name="Straight Connector 29">
+            <a:extLst>
+              <a:ext uri="{FF2B5EF4-FFF2-40B4-BE49-F238E27FC236}">
+                <a16:creationId xmlns:a16="http://schemas.microsoft.com/office/drawing/2014/main" id="{CF8B8C81-54DC-4AF5-B682-3A2C70A6B55C}"/>
+              </a:ext>
+              <a:ext uri="{C183D7F6-B498-43B3-948B-1728B52AA6E4}">
+                <adec:decorative xmlns:adec="http://schemas.microsoft.com/office/drawing/2017/decorative" val="1"/>
+              </a:ext>
+            </a:extLst>
+          </p:cNvPr>
+          <p:cNvCxnSpPr>
+            <a:cxnSpLocks noGrp="1" noRot="1" noChangeAspect="1" noMove="1" noResize="1" noEditPoints="1" noAdjustHandles="1" noChangeArrowheads="1" noChangeShapeType="1"/>
+          </p:cNvCxnSpPr>
+          <p:nvPr>
+            <p:extLst>
+              <p:ext uri="{386F3935-93C4-4BCD-93E2-E3B085C9AB24}">
+                <p16:designElem xmlns:p16="http://schemas.microsoft.com/office/powerpoint/2015/main" val="1"/>
+              </p:ext>
+            </p:extLst>
+          </p:nvPr>
+        </p:nvCxnSpPr>
+        <p:spPr>
+          <a:xfrm>
+            <a:off x="0" y="6128413"/>
+            <a:ext cx="12192000" cy="0"/>
+          </a:xfrm>
+          <a:prstGeom prst="line">
+            <a:avLst/>
+          </a:prstGeom>
+          <a:ln w="12700">
+            <a:solidFill>
+              <a:srgbClr val="000001">
+                <a:alpha val="20000"/>
+              </a:srgbClr>
+            </a:solidFill>
+          </a:ln>
+        </p:spPr>
+        <p:style>
+          <a:lnRef idx="1">
+            <a:schemeClr val="accent1"/>
+          </a:lnRef>
+          <a:fillRef idx="0">
+            <a:schemeClr val="accent1"/>
+          </a:fillRef>
+          <a:effectRef idx="0">
+            <a:schemeClr val="accent1"/>
+          </a:effectRef>
+          <a:fontRef idx="minor">
+            <a:schemeClr val="tx1"/>
+          </a:fontRef>
+        </p:style>
+      </p:cxnSp>
     </p:spTree>
     <p:extLst>
       <p:ext uri="{BB962C8B-B14F-4D97-AF65-F5344CB8AC3E}">
-        <p14:creationId xmlns:p14="http://schemas.microsoft.com/office/powerpoint/2010/main" val="113394015"/>
+        <p14:creationId xmlns:p14="http://schemas.microsoft.com/office/powerpoint/2010/main" val="398434340"/>
       </p:ext>
     </p:extLst>
   </p:cSld>
@@ -5123,6 +7537,91 @@
 </file>
 
 <file path=ppt/slides/slide20.xml><?xml version="1.0" encoding="utf-8"?>
+<p:sld xmlns:a="http://schemas.openxmlformats.org/drawingml/2006/main" xmlns:r="http://schemas.openxmlformats.org/officeDocument/2006/relationships" xmlns:p="http://schemas.openxmlformats.org/presentationml/2006/main">
+  <p:cSld>
+    <p:spTree>
+      <p:nvGrpSpPr>
+        <p:cNvPr id="1" name=""/>
+        <p:cNvGrpSpPr/>
+        <p:nvPr/>
+      </p:nvGrpSpPr>
+      <p:grpSpPr>
+        <a:xfrm>
+          <a:off x="0" y="0"/>
+          <a:ext cx="0" cy="0"/>
+          <a:chOff x="0" y="0"/>
+          <a:chExt cx="0" cy="0"/>
+        </a:xfrm>
+      </p:grpSpPr>
+      <p:sp>
+        <p:nvSpPr>
+          <p:cNvPr id="2" name="Title 1">
+            <a:extLst>
+              <a:ext uri="{FF2B5EF4-FFF2-40B4-BE49-F238E27FC236}">
+                <a16:creationId xmlns:a16="http://schemas.microsoft.com/office/drawing/2014/main" id="{DDAF064C-B834-40C1-A65E-FA4592C29177}"/>
+              </a:ext>
+            </a:extLst>
+          </p:cNvPr>
+          <p:cNvSpPr>
+            <a:spLocks noGrp="1"/>
+          </p:cNvSpPr>
+          <p:nvPr>
+            <p:ph type="title"/>
+          </p:nvPr>
+        </p:nvSpPr>
+        <p:spPr/>
+        <p:txBody>
+          <a:bodyPr/>
+          <a:lstStyle/>
+          <a:p>
+            <a:r>
+              <a:rPr lang="en-IN" dirty="0"/>
+              <a:t>Learning &amp; Experiences</a:t>
+            </a:r>
+          </a:p>
+        </p:txBody>
+      </p:sp>
+      <p:sp>
+        <p:nvSpPr>
+          <p:cNvPr id="3" name="Text Placeholder 2">
+            <a:extLst>
+              <a:ext uri="{FF2B5EF4-FFF2-40B4-BE49-F238E27FC236}">
+                <a16:creationId xmlns:a16="http://schemas.microsoft.com/office/drawing/2014/main" id="{08F65B3E-E650-499A-892B-D4F14BA272BB}"/>
+              </a:ext>
+            </a:extLst>
+          </p:cNvPr>
+          <p:cNvSpPr>
+            <a:spLocks noGrp="1"/>
+          </p:cNvSpPr>
+          <p:nvPr>
+            <p:ph type="body" idx="1"/>
+          </p:nvPr>
+        </p:nvSpPr>
+        <p:spPr/>
+        <p:txBody>
+          <a:bodyPr>
+            <a:normAutofit/>
+          </a:bodyPr>
+          <a:lstStyle/>
+          <a:p>
+            <a:endParaRPr lang="en-IN" dirty="0"/>
+          </a:p>
+        </p:txBody>
+      </p:sp>
+    </p:spTree>
+    <p:extLst>
+      <p:ext uri="{BB962C8B-B14F-4D97-AF65-F5344CB8AC3E}">
+        <p14:creationId xmlns:p14="http://schemas.microsoft.com/office/powerpoint/2010/main" val="113394015"/>
+      </p:ext>
+    </p:extLst>
+  </p:cSld>
+  <p:clrMapOvr>
+    <a:masterClrMapping/>
+  </p:clrMapOvr>
+</p:sld>
+</file>
+
+<file path=ppt/slides/slide21.xml><?xml version="1.0" encoding="utf-8"?>
 <p:sld xmlns:a="http://schemas.openxmlformats.org/drawingml/2006/main" xmlns:r="http://schemas.openxmlformats.org/officeDocument/2006/relationships" xmlns:p="http://schemas.openxmlformats.org/presentationml/2006/main">
   <p:cSld>
     <p:spTree>
